--- a/docs/패킷 형태 정리.pptx
+++ b/docs/패킷 형태 정리.pptx
@@ -10,6 +10,7 @@
     <p:sldId id="261" r:id="rId4"/>
     <p:sldId id="257" r:id="rId5"/>
     <p:sldId id="262" r:id="rId6"/>
+    <p:sldId id="263" r:id="rId7"/>
   </p:sldIdLst>
   <p:sldSz cx="12192000" cy="6858000"/>
   <p:notesSz cx="6858000" cy="9144000"/>
@@ -263,7 +264,7 @@
           <a:p>
             <a:fld id="{B71BBB33-8D7C-45A8-801F-FF55535EB10C}" type="datetimeFigureOut">
               <a:rPr lang="ko-KR" altLang="en-US" smtClean="0"/>
-              <a:t>2023-08-25</a:t>
+              <a:t>2023-08-28</a:t>
             </a:fld>
             <a:endParaRPr lang="ko-KR" altLang="en-US"/>
           </a:p>
@@ -461,7 +462,7 @@
           <a:p>
             <a:fld id="{B71BBB33-8D7C-45A8-801F-FF55535EB10C}" type="datetimeFigureOut">
               <a:rPr lang="ko-KR" altLang="en-US" smtClean="0"/>
-              <a:t>2023-08-25</a:t>
+              <a:t>2023-08-28</a:t>
             </a:fld>
             <a:endParaRPr lang="ko-KR" altLang="en-US"/>
           </a:p>
@@ -669,7 +670,7 @@
           <a:p>
             <a:fld id="{B71BBB33-8D7C-45A8-801F-FF55535EB10C}" type="datetimeFigureOut">
               <a:rPr lang="ko-KR" altLang="en-US" smtClean="0"/>
-              <a:t>2023-08-25</a:t>
+              <a:t>2023-08-28</a:t>
             </a:fld>
             <a:endParaRPr lang="ko-KR" altLang="en-US"/>
           </a:p>
@@ -867,7 +868,7 @@
           <a:p>
             <a:fld id="{B71BBB33-8D7C-45A8-801F-FF55535EB10C}" type="datetimeFigureOut">
               <a:rPr lang="ko-KR" altLang="en-US" smtClean="0"/>
-              <a:t>2023-08-25</a:t>
+              <a:t>2023-08-28</a:t>
             </a:fld>
             <a:endParaRPr lang="ko-KR" altLang="en-US"/>
           </a:p>
@@ -1142,7 +1143,7 @@
           <a:p>
             <a:fld id="{B71BBB33-8D7C-45A8-801F-FF55535EB10C}" type="datetimeFigureOut">
               <a:rPr lang="ko-KR" altLang="en-US" smtClean="0"/>
-              <a:t>2023-08-25</a:t>
+              <a:t>2023-08-28</a:t>
             </a:fld>
             <a:endParaRPr lang="ko-KR" altLang="en-US"/>
           </a:p>
@@ -1407,7 +1408,7 @@
           <a:p>
             <a:fld id="{B71BBB33-8D7C-45A8-801F-FF55535EB10C}" type="datetimeFigureOut">
               <a:rPr lang="ko-KR" altLang="en-US" smtClean="0"/>
-              <a:t>2023-08-25</a:t>
+              <a:t>2023-08-28</a:t>
             </a:fld>
             <a:endParaRPr lang="ko-KR" altLang="en-US"/>
           </a:p>
@@ -1819,7 +1820,7 @@
           <a:p>
             <a:fld id="{B71BBB33-8D7C-45A8-801F-FF55535EB10C}" type="datetimeFigureOut">
               <a:rPr lang="ko-KR" altLang="en-US" smtClean="0"/>
-              <a:t>2023-08-25</a:t>
+              <a:t>2023-08-28</a:t>
             </a:fld>
             <a:endParaRPr lang="ko-KR" altLang="en-US"/>
           </a:p>
@@ -1960,7 +1961,7 @@
           <a:p>
             <a:fld id="{B71BBB33-8D7C-45A8-801F-FF55535EB10C}" type="datetimeFigureOut">
               <a:rPr lang="ko-KR" altLang="en-US" smtClean="0"/>
-              <a:t>2023-08-25</a:t>
+              <a:t>2023-08-28</a:t>
             </a:fld>
             <a:endParaRPr lang="ko-KR" altLang="en-US"/>
           </a:p>
@@ -2073,7 +2074,7 @@
           <a:p>
             <a:fld id="{B71BBB33-8D7C-45A8-801F-FF55535EB10C}" type="datetimeFigureOut">
               <a:rPr lang="ko-KR" altLang="en-US" smtClean="0"/>
-              <a:t>2023-08-25</a:t>
+              <a:t>2023-08-28</a:t>
             </a:fld>
             <a:endParaRPr lang="ko-KR" altLang="en-US"/>
           </a:p>
@@ -2384,7 +2385,7 @@
           <a:p>
             <a:fld id="{B71BBB33-8D7C-45A8-801F-FF55535EB10C}" type="datetimeFigureOut">
               <a:rPr lang="ko-KR" altLang="en-US" smtClean="0"/>
-              <a:t>2023-08-25</a:t>
+              <a:t>2023-08-28</a:t>
             </a:fld>
             <a:endParaRPr lang="ko-KR" altLang="en-US"/>
           </a:p>
@@ -2672,7 +2673,7 @@
           <a:p>
             <a:fld id="{B71BBB33-8D7C-45A8-801F-FF55535EB10C}" type="datetimeFigureOut">
               <a:rPr lang="ko-KR" altLang="en-US" smtClean="0"/>
-              <a:t>2023-08-25</a:t>
+              <a:t>2023-08-28</a:t>
             </a:fld>
             <a:endParaRPr lang="ko-KR" altLang="en-US"/>
           </a:p>
@@ -2913,7 +2914,7 @@
           <a:p>
             <a:fld id="{B71BBB33-8D7C-45A8-801F-FF55535EB10C}" type="datetimeFigureOut">
               <a:rPr lang="ko-KR" altLang="en-US" smtClean="0"/>
-              <a:t>2023-08-25</a:t>
+              <a:t>2023-08-28</a:t>
             </a:fld>
             <a:endParaRPr lang="ko-KR" altLang="en-US"/>
           </a:p>
@@ -9279,6 +9280,1772 @@
 </p:sld>
 </file>
 
+<file path=ppt/slides/slide6.xml><?xml version="1.0" encoding="utf-8"?>
+<p:sld xmlns:a="http://schemas.openxmlformats.org/drawingml/2006/main" xmlns:r="http://schemas.openxmlformats.org/officeDocument/2006/relationships" xmlns:p="http://schemas.openxmlformats.org/presentationml/2006/main">
+  <p:cSld>
+    <p:spTree>
+      <p:nvGrpSpPr>
+        <p:cNvPr id="1" name=""/>
+        <p:cNvGrpSpPr/>
+        <p:nvPr/>
+      </p:nvGrpSpPr>
+      <p:grpSpPr>
+        <a:xfrm>
+          <a:off x="0" y="0"/>
+          <a:ext cx="0" cy="0"/>
+          <a:chOff x="0" y="0"/>
+          <a:chExt cx="0" cy="0"/>
+        </a:xfrm>
+      </p:grpSpPr>
+      <p:sp>
+        <p:nvSpPr>
+          <p:cNvPr id="4" name="TextBox 3">
+            <a:extLst>
+              <a:ext uri="{FF2B5EF4-FFF2-40B4-BE49-F238E27FC236}">
+                <a16:creationId xmlns:a16="http://schemas.microsoft.com/office/drawing/2014/main" id="{8C71EB4A-5379-4D20-85D6-F7662F97680F}"/>
+              </a:ext>
+            </a:extLst>
+          </p:cNvPr>
+          <p:cNvSpPr txBox="1"/>
+          <p:nvPr/>
+        </p:nvSpPr>
+        <p:spPr>
+          <a:xfrm>
+            <a:off x="5382447" y="377505"/>
+            <a:ext cx="582211" cy="369332"/>
+          </a:xfrm>
+          <a:prstGeom prst="rect">
+            <a:avLst/>
+          </a:prstGeom>
+          <a:noFill/>
+        </p:spPr>
+        <p:txBody>
+          <a:bodyPr wrap="none" rtlCol="0">
+            <a:spAutoFit/>
+          </a:bodyPr>
+          <a:lstStyle/>
+          <a:p>
+            <a:r>
+              <a:rPr lang="en-US" altLang="ko-KR" dirty="0"/>
+              <a:t>TIM</a:t>
+            </a:r>
+            <a:endParaRPr lang="ko-KR" altLang="en-US" dirty="0"/>
+          </a:p>
+        </p:txBody>
+      </p:sp>
+      <p:sp>
+        <p:nvSpPr>
+          <p:cNvPr id="5" name="TextBox 4">
+            <a:extLst>
+              <a:ext uri="{FF2B5EF4-FFF2-40B4-BE49-F238E27FC236}">
+                <a16:creationId xmlns:a16="http://schemas.microsoft.com/office/drawing/2014/main" id="{536CE1D4-1B69-4D81-959E-CDCD6A6FC34B}"/>
+              </a:ext>
+            </a:extLst>
+          </p:cNvPr>
+          <p:cNvSpPr txBox="1"/>
+          <p:nvPr/>
+        </p:nvSpPr>
+        <p:spPr>
+          <a:xfrm>
+            <a:off x="2558643" y="377505"/>
+            <a:ext cx="651140" cy="369332"/>
+          </a:xfrm>
+          <a:prstGeom prst="rect">
+            <a:avLst/>
+          </a:prstGeom>
+          <a:noFill/>
+        </p:spPr>
+        <p:txBody>
+          <a:bodyPr wrap="none" rtlCol="0">
+            <a:spAutoFit/>
+          </a:bodyPr>
+          <a:lstStyle/>
+          <a:p>
+            <a:r>
+              <a:rPr lang="en-US" altLang="ko-KR" dirty="0"/>
+              <a:t>TIFD</a:t>
+            </a:r>
+          </a:p>
+        </p:txBody>
+      </p:sp>
+      <p:sp>
+        <p:nvSpPr>
+          <p:cNvPr id="6" name="TextBox 5">
+            <a:extLst>
+              <a:ext uri="{FF2B5EF4-FFF2-40B4-BE49-F238E27FC236}">
+                <a16:creationId xmlns:a16="http://schemas.microsoft.com/office/drawing/2014/main" id="{4B60E5B2-2F54-4818-BAE9-015497584E0A}"/>
+              </a:ext>
+            </a:extLst>
+          </p:cNvPr>
+          <p:cNvSpPr txBox="1"/>
+          <p:nvPr/>
+        </p:nvSpPr>
+        <p:spPr>
+          <a:xfrm>
+            <a:off x="8145711" y="377505"/>
+            <a:ext cx="676788" cy="369332"/>
+          </a:xfrm>
+          <a:prstGeom prst="rect">
+            <a:avLst/>
+          </a:prstGeom>
+          <a:noFill/>
+        </p:spPr>
+        <p:txBody>
+          <a:bodyPr wrap="none" rtlCol="0">
+            <a:spAutoFit/>
+          </a:bodyPr>
+          <a:lstStyle/>
+          <a:p>
+            <a:r>
+              <a:rPr lang="en-US" altLang="ko-KR" dirty="0"/>
+              <a:t>TIRD</a:t>
+            </a:r>
+            <a:endParaRPr lang="ko-KR" altLang="en-US" dirty="0"/>
+          </a:p>
+        </p:txBody>
+      </p:sp>
+      <p:cxnSp>
+        <p:nvCxnSpPr>
+          <p:cNvPr id="8" name="직선 연결선 7">
+            <a:extLst>
+              <a:ext uri="{FF2B5EF4-FFF2-40B4-BE49-F238E27FC236}">
+                <a16:creationId xmlns:a16="http://schemas.microsoft.com/office/drawing/2014/main" id="{3BA61D55-599D-42FC-B548-D7FA23B63A03}"/>
+              </a:ext>
+            </a:extLst>
+          </p:cNvPr>
+          <p:cNvCxnSpPr>
+            <a:cxnSpLocks/>
+            <a:stCxn id="4" idx="2"/>
+          </p:cNvCxnSpPr>
+          <p:nvPr/>
+        </p:nvCxnSpPr>
+        <p:spPr>
+          <a:xfrm>
+            <a:off x="5673553" y="746837"/>
+            <a:ext cx="14290" cy="5821743"/>
+          </a:xfrm>
+          <a:prstGeom prst="line">
+            <a:avLst/>
+          </a:prstGeom>
+          <a:ln w="28575">
+            <a:solidFill>
+              <a:schemeClr val="tx1"/>
+            </a:solidFill>
+          </a:ln>
+        </p:spPr>
+        <p:style>
+          <a:lnRef idx="1">
+            <a:schemeClr val="accent1"/>
+          </a:lnRef>
+          <a:fillRef idx="0">
+            <a:schemeClr val="accent1"/>
+          </a:fillRef>
+          <a:effectRef idx="0">
+            <a:schemeClr val="accent1"/>
+          </a:effectRef>
+          <a:fontRef idx="minor">
+            <a:schemeClr val="tx1"/>
+          </a:fontRef>
+        </p:style>
+      </p:cxnSp>
+      <p:cxnSp>
+        <p:nvCxnSpPr>
+          <p:cNvPr id="11" name="직선 연결선 10">
+            <a:extLst>
+              <a:ext uri="{FF2B5EF4-FFF2-40B4-BE49-F238E27FC236}">
+                <a16:creationId xmlns:a16="http://schemas.microsoft.com/office/drawing/2014/main" id="{A9287BD9-0662-42C8-98B6-118EFD9F49FC}"/>
+              </a:ext>
+            </a:extLst>
+          </p:cNvPr>
+          <p:cNvCxnSpPr>
+            <a:cxnSpLocks/>
+            <a:stCxn id="5" idx="2"/>
+          </p:cNvCxnSpPr>
+          <p:nvPr/>
+        </p:nvCxnSpPr>
+        <p:spPr>
+          <a:xfrm>
+            <a:off x="2884213" y="746837"/>
+            <a:ext cx="7146" cy="5922411"/>
+          </a:xfrm>
+          <a:prstGeom prst="line">
+            <a:avLst/>
+          </a:prstGeom>
+          <a:ln w="28575">
+            <a:solidFill>
+              <a:schemeClr val="accent3"/>
+            </a:solidFill>
+          </a:ln>
+        </p:spPr>
+        <p:style>
+          <a:lnRef idx="1">
+            <a:schemeClr val="accent1"/>
+          </a:lnRef>
+          <a:fillRef idx="0">
+            <a:schemeClr val="accent1"/>
+          </a:fillRef>
+          <a:effectRef idx="0">
+            <a:schemeClr val="accent1"/>
+          </a:effectRef>
+          <a:fontRef idx="minor">
+            <a:schemeClr val="tx1"/>
+          </a:fontRef>
+        </p:style>
+      </p:cxnSp>
+      <p:cxnSp>
+        <p:nvCxnSpPr>
+          <p:cNvPr id="14" name="직선 연결선 13">
+            <a:extLst>
+              <a:ext uri="{FF2B5EF4-FFF2-40B4-BE49-F238E27FC236}">
+                <a16:creationId xmlns:a16="http://schemas.microsoft.com/office/drawing/2014/main" id="{D74239C4-C9C7-47A3-9405-FF6CBD295D10}"/>
+              </a:ext>
+            </a:extLst>
+          </p:cNvPr>
+          <p:cNvCxnSpPr>
+            <a:cxnSpLocks/>
+          </p:cNvCxnSpPr>
+          <p:nvPr/>
+        </p:nvCxnSpPr>
+        <p:spPr>
+          <a:xfrm>
+            <a:off x="8483903" y="746837"/>
+            <a:ext cx="202" cy="5821743"/>
+          </a:xfrm>
+          <a:prstGeom prst="line">
+            <a:avLst/>
+          </a:prstGeom>
+          <a:ln w="28575">
+            <a:solidFill>
+              <a:schemeClr val="accent1"/>
+            </a:solidFill>
+          </a:ln>
+        </p:spPr>
+        <p:style>
+          <a:lnRef idx="1">
+            <a:schemeClr val="accent1"/>
+          </a:lnRef>
+          <a:fillRef idx="0">
+            <a:schemeClr val="accent1"/>
+          </a:fillRef>
+          <a:effectRef idx="0">
+            <a:schemeClr val="accent1"/>
+          </a:effectRef>
+          <a:fontRef idx="minor">
+            <a:schemeClr val="tx1"/>
+          </a:fontRef>
+        </p:style>
+      </p:cxnSp>
+      <p:cxnSp>
+        <p:nvCxnSpPr>
+          <p:cNvPr id="16" name="직선 화살표 연결선 15">
+            <a:extLst>
+              <a:ext uri="{FF2B5EF4-FFF2-40B4-BE49-F238E27FC236}">
+                <a16:creationId xmlns:a16="http://schemas.microsoft.com/office/drawing/2014/main" id="{CD5DEF24-3123-4310-99A7-C150AB8B086A}"/>
+              </a:ext>
+            </a:extLst>
+          </p:cNvPr>
+          <p:cNvCxnSpPr>
+            <a:cxnSpLocks/>
+          </p:cNvCxnSpPr>
+          <p:nvPr/>
+        </p:nvCxnSpPr>
+        <p:spPr>
+          <a:xfrm>
+            <a:off x="2884213" y="1132514"/>
+            <a:ext cx="2789339" cy="0"/>
+          </a:xfrm>
+          <a:prstGeom prst="straightConnector1">
+            <a:avLst/>
+          </a:prstGeom>
+          <a:ln w="57150">
+            <a:solidFill>
+              <a:schemeClr val="accent3"/>
+            </a:solidFill>
+            <a:tailEnd type="triangle"/>
+          </a:ln>
+        </p:spPr>
+        <p:style>
+          <a:lnRef idx="1">
+            <a:schemeClr val="accent1"/>
+          </a:lnRef>
+          <a:fillRef idx="0">
+            <a:schemeClr val="accent1"/>
+          </a:fillRef>
+          <a:effectRef idx="0">
+            <a:schemeClr val="accent1"/>
+          </a:effectRef>
+          <a:fontRef idx="minor">
+            <a:schemeClr val="tx1"/>
+          </a:fontRef>
+        </p:style>
+      </p:cxnSp>
+      <p:sp>
+        <p:nvSpPr>
+          <p:cNvPr id="21" name="TextBox 20">
+            <a:extLst>
+              <a:ext uri="{FF2B5EF4-FFF2-40B4-BE49-F238E27FC236}">
+                <a16:creationId xmlns:a16="http://schemas.microsoft.com/office/drawing/2014/main" id="{687BC30D-D27A-45AA-8AD8-7DE2301744E1}"/>
+              </a:ext>
+            </a:extLst>
+          </p:cNvPr>
+          <p:cNvSpPr txBox="1"/>
+          <p:nvPr/>
+        </p:nvSpPr>
+        <p:spPr>
+          <a:xfrm>
+            <a:off x="3913882" y="788483"/>
+            <a:ext cx="857927" cy="307777"/>
+          </a:xfrm>
+          <a:prstGeom prst="rect">
+            <a:avLst/>
+          </a:prstGeom>
+          <a:noFill/>
+        </p:spPr>
+        <p:txBody>
+          <a:bodyPr wrap="none" rtlCol="0">
+            <a:spAutoFit/>
+          </a:bodyPr>
+          <a:lstStyle/>
+          <a:p>
+            <a:r>
+              <a:rPr lang="en-US" altLang="ko-KR" sz="1400" dirty="0"/>
+              <a:t>Connect</a:t>
+            </a:r>
+            <a:endParaRPr lang="ko-KR" altLang="en-US" sz="1400" dirty="0"/>
+          </a:p>
+        </p:txBody>
+      </p:sp>
+      <p:grpSp>
+        <p:nvGrpSpPr>
+          <p:cNvPr id="29" name="그룹 28">
+            <a:extLst>
+              <a:ext uri="{FF2B5EF4-FFF2-40B4-BE49-F238E27FC236}">
+                <a16:creationId xmlns:a16="http://schemas.microsoft.com/office/drawing/2014/main" id="{FBC0E698-BEAF-412A-B985-78FD1040837B}"/>
+              </a:ext>
+            </a:extLst>
+          </p:cNvPr>
+          <p:cNvGrpSpPr/>
+          <p:nvPr/>
+        </p:nvGrpSpPr>
+        <p:grpSpPr>
+          <a:xfrm>
+            <a:off x="2884212" y="1341708"/>
+            <a:ext cx="2789339" cy="345877"/>
+            <a:chOff x="2884212" y="1425598"/>
+            <a:chExt cx="2789339" cy="345877"/>
+          </a:xfrm>
+        </p:grpSpPr>
+        <p:cxnSp>
+          <p:nvCxnSpPr>
+            <p:cNvPr id="27" name="직선 화살표 연결선 26">
+              <a:extLst>
+                <a:ext uri="{FF2B5EF4-FFF2-40B4-BE49-F238E27FC236}">
+                  <a16:creationId xmlns:a16="http://schemas.microsoft.com/office/drawing/2014/main" id="{16CB8C8D-5B86-41DC-A0F6-8A3308667B8C}"/>
+                </a:ext>
+              </a:extLst>
+            </p:cNvPr>
+            <p:cNvCxnSpPr>
+              <a:cxnSpLocks/>
+            </p:cNvCxnSpPr>
+            <p:nvPr/>
+          </p:nvCxnSpPr>
+          <p:spPr>
+            <a:xfrm flipH="1">
+              <a:off x="2884212" y="1771475"/>
+              <a:ext cx="2789339" cy="0"/>
+            </a:xfrm>
+            <a:prstGeom prst="straightConnector1">
+              <a:avLst/>
+            </a:prstGeom>
+            <a:ln w="57150">
+              <a:solidFill>
+                <a:schemeClr val="tx1"/>
+              </a:solidFill>
+              <a:tailEnd type="triangle"/>
+            </a:ln>
+          </p:spPr>
+          <p:style>
+            <a:lnRef idx="1">
+              <a:schemeClr val="accent1"/>
+            </a:lnRef>
+            <a:fillRef idx="0">
+              <a:schemeClr val="accent1"/>
+            </a:fillRef>
+            <a:effectRef idx="0">
+              <a:schemeClr val="accent1"/>
+            </a:effectRef>
+            <a:fontRef idx="minor">
+              <a:schemeClr val="tx1"/>
+            </a:fontRef>
+          </p:style>
+        </p:cxnSp>
+        <p:sp>
+          <p:nvSpPr>
+            <p:cNvPr id="28" name="TextBox 27">
+              <a:extLst>
+                <a:ext uri="{FF2B5EF4-FFF2-40B4-BE49-F238E27FC236}">
+                  <a16:creationId xmlns:a16="http://schemas.microsoft.com/office/drawing/2014/main" id="{64B48297-64D9-4FEA-8B0D-B8A247E12EE1}"/>
+                </a:ext>
+              </a:extLst>
+            </p:cNvPr>
+            <p:cNvSpPr txBox="1"/>
+            <p:nvPr/>
+          </p:nvSpPr>
+          <p:spPr>
+            <a:xfrm>
+              <a:off x="3223008" y="1425598"/>
+              <a:ext cx="2051395" cy="307777"/>
+            </a:xfrm>
+            <a:prstGeom prst="rect">
+              <a:avLst/>
+            </a:prstGeom>
+            <a:noFill/>
+          </p:spPr>
+          <p:txBody>
+            <a:bodyPr wrap="none" rtlCol="0">
+              <a:spAutoFit/>
+            </a:bodyPr>
+            <a:lstStyle/>
+            <a:p>
+              <a:r>
+                <a:rPr lang="en-US" altLang="ko-KR" sz="1400" dirty="0" err="1"/>
+                <a:t>CmdType_Reg_Request</a:t>
+              </a:r>
+              <a:endParaRPr lang="ko-KR" altLang="en-US" sz="1400" dirty="0"/>
+            </a:p>
+          </p:txBody>
+        </p:sp>
+      </p:grpSp>
+      <p:grpSp>
+        <p:nvGrpSpPr>
+          <p:cNvPr id="30" name="그룹 29">
+            <a:extLst>
+              <a:ext uri="{FF2B5EF4-FFF2-40B4-BE49-F238E27FC236}">
+                <a16:creationId xmlns:a16="http://schemas.microsoft.com/office/drawing/2014/main" id="{36D5B5F4-D8F2-451D-8EB1-12E009884849}"/>
+              </a:ext>
+            </a:extLst>
+          </p:cNvPr>
+          <p:cNvGrpSpPr/>
+          <p:nvPr/>
+        </p:nvGrpSpPr>
+        <p:grpSpPr>
+          <a:xfrm>
+            <a:off x="2875822" y="1943028"/>
+            <a:ext cx="2789339" cy="338562"/>
+            <a:chOff x="2884212" y="1432913"/>
+            <a:chExt cx="2789339" cy="338562"/>
+          </a:xfrm>
+        </p:grpSpPr>
+        <p:cxnSp>
+          <p:nvCxnSpPr>
+            <p:cNvPr id="31" name="직선 화살표 연결선 30">
+              <a:extLst>
+                <a:ext uri="{FF2B5EF4-FFF2-40B4-BE49-F238E27FC236}">
+                  <a16:creationId xmlns:a16="http://schemas.microsoft.com/office/drawing/2014/main" id="{BCC70E1B-557D-4DB5-83F4-C4DE1911852F}"/>
+                </a:ext>
+              </a:extLst>
+            </p:cNvPr>
+            <p:cNvCxnSpPr>
+              <a:cxnSpLocks/>
+            </p:cNvCxnSpPr>
+            <p:nvPr/>
+          </p:nvCxnSpPr>
+          <p:spPr>
+            <a:xfrm>
+              <a:off x="2884212" y="1771475"/>
+              <a:ext cx="2789339" cy="0"/>
+            </a:xfrm>
+            <a:prstGeom prst="straightConnector1">
+              <a:avLst/>
+            </a:prstGeom>
+            <a:ln w="57150">
+              <a:solidFill>
+                <a:schemeClr val="accent3"/>
+              </a:solidFill>
+              <a:tailEnd type="triangle"/>
+            </a:ln>
+          </p:spPr>
+          <p:style>
+            <a:lnRef idx="1">
+              <a:schemeClr val="accent1"/>
+            </a:lnRef>
+            <a:fillRef idx="0">
+              <a:schemeClr val="accent1"/>
+            </a:fillRef>
+            <a:effectRef idx="0">
+              <a:schemeClr val="accent1"/>
+            </a:effectRef>
+            <a:fontRef idx="minor">
+              <a:schemeClr val="tx1"/>
+            </a:fontRef>
+          </p:style>
+        </p:cxnSp>
+        <p:sp>
+          <p:nvSpPr>
+            <p:cNvPr id="32" name="TextBox 31">
+              <a:extLst>
+                <a:ext uri="{FF2B5EF4-FFF2-40B4-BE49-F238E27FC236}">
+                  <a16:creationId xmlns:a16="http://schemas.microsoft.com/office/drawing/2014/main" id="{F2F37B95-2F4F-4BD6-B8C0-FAD175E29360}"/>
+                </a:ext>
+              </a:extLst>
+            </p:cNvPr>
+            <p:cNvSpPr txBox="1"/>
+            <p:nvPr/>
+          </p:nvSpPr>
+          <p:spPr>
+            <a:xfrm>
+              <a:off x="3257380" y="1432913"/>
+              <a:ext cx="2051395" cy="307777"/>
+            </a:xfrm>
+            <a:prstGeom prst="rect">
+              <a:avLst/>
+            </a:prstGeom>
+            <a:noFill/>
+          </p:spPr>
+          <p:txBody>
+            <a:bodyPr wrap="none" rtlCol="0">
+              <a:spAutoFit/>
+            </a:bodyPr>
+            <a:lstStyle/>
+            <a:p>
+              <a:r>
+                <a:rPr lang="en-US" altLang="ko-KR" sz="1400" dirty="0" err="1"/>
+                <a:t>CmdType_Reg_Request</a:t>
+              </a:r>
+              <a:endParaRPr lang="ko-KR" altLang="en-US" sz="1400" dirty="0"/>
+            </a:p>
+          </p:txBody>
+        </p:sp>
+      </p:grpSp>
+      <p:grpSp>
+        <p:nvGrpSpPr>
+          <p:cNvPr id="33" name="그룹 32">
+            <a:extLst>
+              <a:ext uri="{FF2B5EF4-FFF2-40B4-BE49-F238E27FC236}">
+                <a16:creationId xmlns:a16="http://schemas.microsoft.com/office/drawing/2014/main" id="{D2A17348-45BA-42C6-A58F-97770AF816AB}"/>
+              </a:ext>
+            </a:extLst>
+          </p:cNvPr>
+          <p:cNvGrpSpPr/>
+          <p:nvPr/>
+        </p:nvGrpSpPr>
+        <p:grpSpPr>
+          <a:xfrm>
+            <a:off x="2877068" y="2522216"/>
+            <a:ext cx="2789339" cy="334558"/>
+            <a:chOff x="2884212" y="1436917"/>
+            <a:chExt cx="2789339" cy="334558"/>
+          </a:xfrm>
+        </p:grpSpPr>
+        <p:cxnSp>
+          <p:nvCxnSpPr>
+            <p:cNvPr id="34" name="직선 화살표 연결선 33">
+              <a:extLst>
+                <a:ext uri="{FF2B5EF4-FFF2-40B4-BE49-F238E27FC236}">
+                  <a16:creationId xmlns:a16="http://schemas.microsoft.com/office/drawing/2014/main" id="{E65CBE8C-16DE-4443-933F-DEDD2EFB9F9A}"/>
+                </a:ext>
+              </a:extLst>
+            </p:cNvPr>
+            <p:cNvCxnSpPr>
+              <a:cxnSpLocks/>
+            </p:cNvCxnSpPr>
+            <p:nvPr/>
+          </p:nvCxnSpPr>
+          <p:spPr>
+            <a:xfrm flipH="1">
+              <a:off x="2884212" y="1771475"/>
+              <a:ext cx="2789339" cy="0"/>
+            </a:xfrm>
+            <a:prstGeom prst="straightConnector1">
+              <a:avLst/>
+            </a:prstGeom>
+            <a:ln w="57150">
+              <a:solidFill>
+                <a:schemeClr val="tx1"/>
+              </a:solidFill>
+              <a:tailEnd type="triangle"/>
+            </a:ln>
+          </p:spPr>
+          <p:style>
+            <a:lnRef idx="1">
+              <a:schemeClr val="accent1"/>
+            </a:lnRef>
+            <a:fillRef idx="0">
+              <a:schemeClr val="accent1"/>
+            </a:fillRef>
+            <a:effectRef idx="0">
+              <a:schemeClr val="accent1"/>
+            </a:effectRef>
+            <a:fontRef idx="minor">
+              <a:schemeClr val="tx1"/>
+            </a:fontRef>
+          </p:style>
+        </p:cxnSp>
+        <p:sp>
+          <p:nvSpPr>
+            <p:cNvPr id="35" name="TextBox 34">
+              <a:extLst>
+                <a:ext uri="{FF2B5EF4-FFF2-40B4-BE49-F238E27FC236}">
+                  <a16:creationId xmlns:a16="http://schemas.microsoft.com/office/drawing/2014/main" id="{CF68E22A-301B-421F-A65C-B4B1E332C039}"/>
+                </a:ext>
+              </a:extLst>
+            </p:cNvPr>
+            <p:cNvSpPr txBox="1"/>
+            <p:nvPr/>
+          </p:nvSpPr>
+          <p:spPr>
+            <a:xfrm>
+              <a:off x="3246481" y="1436917"/>
+              <a:ext cx="2051716" cy="307777"/>
+            </a:xfrm>
+            <a:prstGeom prst="rect">
+              <a:avLst/>
+            </a:prstGeom>
+            <a:noFill/>
+          </p:spPr>
+          <p:txBody>
+            <a:bodyPr wrap="none" rtlCol="0">
+              <a:spAutoFit/>
+            </a:bodyPr>
+            <a:lstStyle/>
+            <a:p>
+              <a:r>
+                <a:rPr lang="en-US" altLang="ko-KR" sz="1400" dirty="0" err="1"/>
+                <a:t>CmdType_Reg_Confirm</a:t>
+              </a:r>
+              <a:endParaRPr lang="ko-KR" altLang="en-US" sz="1400" dirty="0"/>
+            </a:p>
+          </p:txBody>
+        </p:sp>
+      </p:grpSp>
+      <p:grpSp>
+        <p:nvGrpSpPr>
+          <p:cNvPr id="36" name="그룹 35">
+            <a:extLst>
+              <a:ext uri="{FF2B5EF4-FFF2-40B4-BE49-F238E27FC236}">
+                <a16:creationId xmlns:a16="http://schemas.microsoft.com/office/drawing/2014/main" id="{BB966317-EC0B-49F4-BBD0-8E48D3F3BE50}"/>
+              </a:ext>
+            </a:extLst>
+          </p:cNvPr>
+          <p:cNvGrpSpPr/>
+          <p:nvPr/>
+        </p:nvGrpSpPr>
+        <p:grpSpPr>
+          <a:xfrm>
+            <a:off x="2891359" y="3139237"/>
+            <a:ext cx="2789339" cy="343055"/>
+            <a:chOff x="2884212" y="1428420"/>
+            <a:chExt cx="2789339" cy="343055"/>
+          </a:xfrm>
+        </p:grpSpPr>
+        <p:cxnSp>
+          <p:nvCxnSpPr>
+            <p:cNvPr id="37" name="직선 화살표 연결선 36">
+              <a:extLst>
+                <a:ext uri="{FF2B5EF4-FFF2-40B4-BE49-F238E27FC236}">
+                  <a16:creationId xmlns:a16="http://schemas.microsoft.com/office/drawing/2014/main" id="{83E82528-B4AC-4E03-8150-2ADEC9CC7A46}"/>
+                </a:ext>
+              </a:extLst>
+            </p:cNvPr>
+            <p:cNvCxnSpPr>
+              <a:cxnSpLocks/>
+            </p:cNvCxnSpPr>
+            <p:nvPr/>
+          </p:nvCxnSpPr>
+          <p:spPr>
+            <a:xfrm>
+              <a:off x="2884212" y="1771475"/>
+              <a:ext cx="2789339" cy="0"/>
+            </a:xfrm>
+            <a:prstGeom prst="straightConnector1">
+              <a:avLst/>
+            </a:prstGeom>
+            <a:ln w="57150">
+              <a:solidFill>
+                <a:schemeClr val="accent3"/>
+              </a:solidFill>
+              <a:tailEnd type="triangle"/>
+            </a:ln>
+          </p:spPr>
+          <p:style>
+            <a:lnRef idx="1">
+              <a:schemeClr val="accent1"/>
+            </a:lnRef>
+            <a:fillRef idx="0">
+              <a:schemeClr val="accent1"/>
+            </a:fillRef>
+            <a:effectRef idx="0">
+              <a:schemeClr val="accent1"/>
+            </a:effectRef>
+            <a:fontRef idx="minor">
+              <a:schemeClr val="tx1"/>
+            </a:fontRef>
+          </p:style>
+        </p:cxnSp>
+        <p:sp>
+          <p:nvSpPr>
+            <p:cNvPr id="38" name="TextBox 37">
+              <a:extLst>
+                <a:ext uri="{FF2B5EF4-FFF2-40B4-BE49-F238E27FC236}">
+                  <a16:creationId xmlns:a16="http://schemas.microsoft.com/office/drawing/2014/main" id="{1F161112-BD8E-4718-AF60-22F57650664E}"/>
+                </a:ext>
+              </a:extLst>
+            </p:cNvPr>
+            <p:cNvSpPr txBox="1"/>
+            <p:nvPr/>
+          </p:nvSpPr>
+          <p:spPr>
+            <a:xfrm>
+              <a:off x="3104174" y="1428420"/>
+              <a:ext cx="2463047" cy="307777"/>
+            </a:xfrm>
+            <a:prstGeom prst="rect">
+              <a:avLst/>
+            </a:prstGeom>
+            <a:noFill/>
+          </p:spPr>
+          <p:txBody>
+            <a:bodyPr wrap="none" rtlCol="0">
+              <a:spAutoFit/>
+            </a:bodyPr>
+            <a:lstStyle/>
+            <a:p>
+              <a:r>
+                <a:rPr lang="en-US" altLang="ko-KR" sz="1400" dirty="0" err="1"/>
+                <a:t>CmdType_Tifd_Info</a:t>
+              </a:r>
+              <a:r>
+                <a:rPr lang="en-US" altLang="ko-KR" sz="1400" dirty="0"/>
+                <a:t>(1</a:t>
+              </a:r>
+              <a:r>
+                <a:rPr lang="ko-KR" altLang="en-US" sz="1400" dirty="0"/>
+                <a:t>초마다</a:t>
+              </a:r>
+              <a:r>
+                <a:rPr lang="en-US" altLang="ko-KR" sz="1400" dirty="0"/>
+                <a:t>)</a:t>
+              </a:r>
+              <a:endParaRPr lang="ko-KR" altLang="en-US" sz="1400" dirty="0"/>
+            </a:p>
+          </p:txBody>
+        </p:sp>
+      </p:grpSp>
+      <p:grpSp>
+        <p:nvGrpSpPr>
+          <p:cNvPr id="40" name="그룹 39">
+            <a:extLst>
+              <a:ext uri="{FF2B5EF4-FFF2-40B4-BE49-F238E27FC236}">
+                <a16:creationId xmlns:a16="http://schemas.microsoft.com/office/drawing/2014/main" id="{F82F8B6F-AB8B-4A23-8835-1885674DC817}"/>
+              </a:ext>
+            </a:extLst>
+          </p:cNvPr>
+          <p:cNvGrpSpPr/>
+          <p:nvPr/>
+        </p:nvGrpSpPr>
+        <p:grpSpPr>
+          <a:xfrm>
+            <a:off x="2884212" y="3781752"/>
+            <a:ext cx="2789339" cy="333569"/>
+            <a:chOff x="2884212" y="1437906"/>
+            <a:chExt cx="2789339" cy="333569"/>
+          </a:xfrm>
+        </p:grpSpPr>
+        <p:cxnSp>
+          <p:nvCxnSpPr>
+            <p:cNvPr id="41" name="직선 화살표 연결선 40">
+              <a:extLst>
+                <a:ext uri="{FF2B5EF4-FFF2-40B4-BE49-F238E27FC236}">
+                  <a16:creationId xmlns:a16="http://schemas.microsoft.com/office/drawing/2014/main" id="{CC374537-533E-4666-BD89-6E656BDC4B05}"/>
+                </a:ext>
+              </a:extLst>
+            </p:cNvPr>
+            <p:cNvCxnSpPr>
+              <a:cxnSpLocks/>
+            </p:cNvCxnSpPr>
+            <p:nvPr/>
+          </p:nvCxnSpPr>
+          <p:spPr>
+            <a:xfrm flipH="1">
+              <a:off x="2884212" y="1771475"/>
+              <a:ext cx="2789339" cy="0"/>
+            </a:xfrm>
+            <a:prstGeom prst="straightConnector1">
+              <a:avLst/>
+            </a:prstGeom>
+            <a:ln w="57150">
+              <a:solidFill>
+                <a:schemeClr val="tx1"/>
+              </a:solidFill>
+              <a:tailEnd type="triangle"/>
+            </a:ln>
+          </p:spPr>
+          <p:style>
+            <a:lnRef idx="1">
+              <a:schemeClr val="accent1"/>
+            </a:lnRef>
+            <a:fillRef idx="0">
+              <a:schemeClr val="accent1"/>
+            </a:fillRef>
+            <a:effectRef idx="0">
+              <a:schemeClr val="accent1"/>
+            </a:effectRef>
+            <a:fontRef idx="minor">
+              <a:schemeClr val="tx1"/>
+            </a:fontRef>
+          </p:style>
+        </p:cxnSp>
+        <p:sp>
+          <p:nvSpPr>
+            <p:cNvPr id="42" name="TextBox 41">
+              <a:extLst>
+                <a:ext uri="{FF2B5EF4-FFF2-40B4-BE49-F238E27FC236}">
+                  <a16:creationId xmlns:a16="http://schemas.microsoft.com/office/drawing/2014/main" id="{9BCCDCF0-B21F-4677-95D9-E48B50611C71}"/>
+                </a:ext>
+              </a:extLst>
+            </p:cNvPr>
+            <p:cNvSpPr txBox="1"/>
+            <p:nvPr/>
+          </p:nvSpPr>
+          <p:spPr>
+            <a:xfrm>
+              <a:off x="3064964" y="1437906"/>
+              <a:ext cx="2560316" cy="307777"/>
+            </a:xfrm>
+            <a:prstGeom prst="rect">
+              <a:avLst/>
+            </a:prstGeom>
+            <a:noFill/>
+          </p:spPr>
+          <p:txBody>
+            <a:bodyPr wrap="none" rtlCol="0">
+              <a:spAutoFit/>
+            </a:bodyPr>
+            <a:lstStyle/>
+            <a:p>
+              <a:r>
+                <a:rPr lang="en-US" altLang="ko-KR" sz="1400" dirty="0" err="1"/>
+                <a:t>CmdType_KeepAlive</a:t>
+              </a:r>
+              <a:r>
+                <a:rPr lang="en-US" altLang="ko-KR" sz="1400" dirty="0"/>
+                <a:t>(3</a:t>
+              </a:r>
+              <a:r>
+                <a:rPr lang="ko-KR" altLang="en-US" sz="1400" dirty="0"/>
+                <a:t>초마다</a:t>
+              </a:r>
+              <a:r>
+                <a:rPr lang="en-US" altLang="ko-KR" sz="1400" dirty="0"/>
+                <a:t>)</a:t>
+              </a:r>
+              <a:endParaRPr lang="ko-KR" altLang="en-US" sz="1400" dirty="0"/>
+            </a:p>
+          </p:txBody>
+        </p:sp>
+      </p:grpSp>
+      <p:sp>
+        <p:nvSpPr>
+          <p:cNvPr id="45" name="TextBox 44">
+            <a:extLst>
+              <a:ext uri="{FF2B5EF4-FFF2-40B4-BE49-F238E27FC236}">
+                <a16:creationId xmlns:a16="http://schemas.microsoft.com/office/drawing/2014/main" id="{38BC5F1E-1782-4E02-98DC-964A95860463}"/>
+              </a:ext>
+            </a:extLst>
+          </p:cNvPr>
+          <p:cNvSpPr txBox="1"/>
+          <p:nvPr/>
+        </p:nvSpPr>
+        <p:spPr>
+          <a:xfrm>
+            <a:off x="4931982" y="4238223"/>
+            <a:ext cx="1487908" cy="338554"/>
+          </a:xfrm>
+          <a:prstGeom prst="rect">
+            <a:avLst/>
+          </a:prstGeom>
+          <a:noFill/>
+        </p:spPr>
+        <p:txBody>
+          <a:bodyPr wrap="none" rtlCol="0">
+            <a:spAutoFit/>
+          </a:bodyPr>
+          <a:lstStyle/>
+          <a:p>
+            <a:r>
+              <a:rPr lang="ko-KR" altLang="en-US" sz="1600" err="1">
+                <a:solidFill>
+                  <a:srgbClr val="FF0000"/>
+                </a:solidFill>
+              </a:rPr>
+              <a:t>페어링</a:t>
+            </a:r>
+            <a:r>
+              <a:rPr lang="ko-KR" altLang="en-US" sz="1600" dirty="0">
+                <a:solidFill>
+                  <a:srgbClr val="FF0000"/>
+                </a:solidFill>
+              </a:rPr>
+              <a:t> </a:t>
+            </a:r>
+            <a:r>
+              <a:rPr lang="ko-KR" altLang="en-US" sz="1600" dirty="0" err="1">
+                <a:solidFill>
+                  <a:srgbClr val="FF0000"/>
+                </a:solidFill>
+              </a:rPr>
+              <a:t>성공시</a:t>
+            </a:r>
+            <a:endParaRPr lang="ko-KR" altLang="en-US" sz="1600" dirty="0">
+              <a:solidFill>
+                <a:srgbClr val="FF0000"/>
+              </a:solidFill>
+            </a:endParaRPr>
+          </a:p>
+        </p:txBody>
+      </p:sp>
+      <p:grpSp>
+        <p:nvGrpSpPr>
+          <p:cNvPr id="46" name="그룹 45">
+            <a:extLst>
+              <a:ext uri="{FF2B5EF4-FFF2-40B4-BE49-F238E27FC236}">
+                <a16:creationId xmlns:a16="http://schemas.microsoft.com/office/drawing/2014/main" id="{0D3BE85C-EC19-4B81-973A-B7E6D8D17FEF}"/>
+              </a:ext>
+            </a:extLst>
+          </p:cNvPr>
+          <p:cNvGrpSpPr/>
+          <p:nvPr/>
+        </p:nvGrpSpPr>
+        <p:grpSpPr>
+          <a:xfrm>
+            <a:off x="2885456" y="4602570"/>
+            <a:ext cx="2789339" cy="332570"/>
+            <a:chOff x="2884212" y="1438905"/>
+            <a:chExt cx="2789339" cy="332570"/>
+          </a:xfrm>
+        </p:grpSpPr>
+        <p:cxnSp>
+          <p:nvCxnSpPr>
+            <p:cNvPr id="47" name="직선 화살표 연결선 46">
+              <a:extLst>
+                <a:ext uri="{FF2B5EF4-FFF2-40B4-BE49-F238E27FC236}">
+                  <a16:creationId xmlns:a16="http://schemas.microsoft.com/office/drawing/2014/main" id="{33357211-151A-44EB-962B-D6F9337FC891}"/>
+                </a:ext>
+              </a:extLst>
+            </p:cNvPr>
+            <p:cNvCxnSpPr>
+              <a:cxnSpLocks/>
+            </p:cNvCxnSpPr>
+            <p:nvPr/>
+          </p:nvCxnSpPr>
+          <p:spPr>
+            <a:xfrm flipH="1">
+              <a:off x="2884212" y="1771475"/>
+              <a:ext cx="2789339" cy="0"/>
+            </a:xfrm>
+            <a:prstGeom prst="straightConnector1">
+              <a:avLst/>
+            </a:prstGeom>
+            <a:ln w="57150">
+              <a:solidFill>
+                <a:schemeClr val="tx1"/>
+              </a:solidFill>
+              <a:tailEnd type="triangle"/>
+            </a:ln>
+          </p:spPr>
+          <p:style>
+            <a:lnRef idx="1">
+              <a:schemeClr val="accent1"/>
+            </a:lnRef>
+            <a:fillRef idx="0">
+              <a:schemeClr val="accent1"/>
+            </a:fillRef>
+            <a:effectRef idx="0">
+              <a:schemeClr val="accent1"/>
+            </a:effectRef>
+            <a:fontRef idx="minor">
+              <a:schemeClr val="tx1"/>
+            </a:fontRef>
+          </p:style>
+        </p:cxnSp>
+        <p:sp>
+          <p:nvSpPr>
+            <p:cNvPr id="48" name="TextBox 47">
+              <a:extLst>
+                <a:ext uri="{FF2B5EF4-FFF2-40B4-BE49-F238E27FC236}">
+                  <a16:creationId xmlns:a16="http://schemas.microsoft.com/office/drawing/2014/main" id="{571398D6-9D22-4901-94A5-33384ADBDB49}"/>
+                </a:ext>
+              </a:extLst>
+            </p:cNvPr>
+            <p:cNvSpPr txBox="1"/>
+            <p:nvPr/>
+          </p:nvSpPr>
+          <p:spPr>
+            <a:xfrm>
+              <a:off x="3421958" y="1438905"/>
+              <a:ext cx="1735283" cy="307777"/>
+            </a:xfrm>
+            <a:prstGeom prst="rect">
+              <a:avLst/>
+            </a:prstGeom>
+            <a:noFill/>
+          </p:spPr>
+          <p:txBody>
+            <a:bodyPr wrap="none" rtlCol="0">
+              <a:spAutoFit/>
+            </a:bodyPr>
+            <a:lstStyle/>
+            <a:p>
+              <a:r>
+                <a:rPr lang="en-US" altLang="ko-KR" sz="1400" dirty="0" err="1"/>
+                <a:t>CmdType_LoRa_CH</a:t>
+              </a:r>
+              <a:endParaRPr lang="ko-KR" altLang="en-US" sz="1400" dirty="0"/>
+            </a:p>
+          </p:txBody>
+        </p:sp>
+      </p:grpSp>
+      <p:grpSp>
+        <p:nvGrpSpPr>
+          <p:cNvPr id="49" name="그룹 48">
+            <a:extLst>
+              <a:ext uri="{FF2B5EF4-FFF2-40B4-BE49-F238E27FC236}">
+                <a16:creationId xmlns:a16="http://schemas.microsoft.com/office/drawing/2014/main" id="{ED75DC8C-4B3A-4083-950F-CB53A9CF9233}"/>
+              </a:ext>
+            </a:extLst>
+          </p:cNvPr>
+          <p:cNvGrpSpPr/>
+          <p:nvPr/>
+        </p:nvGrpSpPr>
+        <p:grpSpPr>
+          <a:xfrm>
+            <a:off x="2884212" y="5179165"/>
+            <a:ext cx="2789339" cy="337820"/>
+            <a:chOff x="2884212" y="1433655"/>
+            <a:chExt cx="2789339" cy="337820"/>
+          </a:xfrm>
+        </p:grpSpPr>
+        <p:cxnSp>
+          <p:nvCxnSpPr>
+            <p:cNvPr id="50" name="직선 화살표 연결선 49">
+              <a:extLst>
+                <a:ext uri="{FF2B5EF4-FFF2-40B4-BE49-F238E27FC236}">
+                  <a16:creationId xmlns:a16="http://schemas.microsoft.com/office/drawing/2014/main" id="{67C0E649-CB7A-465A-B5D7-51E07EED969B}"/>
+                </a:ext>
+              </a:extLst>
+            </p:cNvPr>
+            <p:cNvCxnSpPr>
+              <a:cxnSpLocks/>
+            </p:cNvCxnSpPr>
+            <p:nvPr/>
+          </p:nvCxnSpPr>
+          <p:spPr>
+            <a:xfrm flipH="1">
+              <a:off x="2884212" y="1771475"/>
+              <a:ext cx="2789339" cy="0"/>
+            </a:xfrm>
+            <a:prstGeom prst="straightConnector1">
+              <a:avLst/>
+            </a:prstGeom>
+            <a:ln w="57150">
+              <a:solidFill>
+                <a:schemeClr val="tx1"/>
+              </a:solidFill>
+              <a:tailEnd type="triangle"/>
+            </a:ln>
+          </p:spPr>
+          <p:style>
+            <a:lnRef idx="1">
+              <a:schemeClr val="accent1"/>
+            </a:lnRef>
+            <a:fillRef idx="0">
+              <a:schemeClr val="accent1"/>
+            </a:fillRef>
+            <a:effectRef idx="0">
+              <a:schemeClr val="accent1"/>
+            </a:effectRef>
+            <a:fontRef idx="minor">
+              <a:schemeClr val="tx1"/>
+            </a:fontRef>
+          </p:style>
+        </p:cxnSp>
+        <p:sp>
+          <p:nvSpPr>
+            <p:cNvPr id="51" name="TextBox 50">
+              <a:extLst>
+                <a:ext uri="{FF2B5EF4-FFF2-40B4-BE49-F238E27FC236}">
+                  <a16:creationId xmlns:a16="http://schemas.microsoft.com/office/drawing/2014/main" id="{B454C900-8661-4865-B66C-35C90FA4A524}"/>
+                </a:ext>
+              </a:extLst>
+            </p:cNvPr>
+            <p:cNvSpPr txBox="1"/>
+            <p:nvPr/>
+          </p:nvSpPr>
+          <p:spPr>
+            <a:xfrm>
+              <a:off x="3448602" y="1433655"/>
+              <a:ext cx="1573572" cy="307777"/>
+            </a:xfrm>
+            <a:prstGeom prst="rect">
+              <a:avLst/>
+            </a:prstGeom>
+            <a:noFill/>
+          </p:spPr>
+          <p:txBody>
+            <a:bodyPr wrap="none" rtlCol="0">
+              <a:spAutoFit/>
+            </a:bodyPr>
+            <a:lstStyle/>
+            <a:p>
+              <a:r>
+                <a:rPr lang="en-US" altLang="ko-KR" sz="1400" dirty="0" err="1"/>
+                <a:t>CmdType_Pairing</a:t>
+              </a:r>
+              <a:endParaRPr lang="ko-KR" altLang="en-US" sz="1400" dirty="0"/>
+            </a:p>
+          </p:txBody>
+        </p:sp>
+      </p:grpSp>
+      <p:grpSp>
+        <p:nvGrpSpPr>
+          <p:cNvPr id="52" name="그룹 51">
+            <a:extLst>
+              <a:ext uri="{FF2B5EF4-FFF2-40B4-BE49-F238E27FC236}">
+                <a16:creationId xmlns:a16="http://schemas.microsoft.com/office/drawing/2014/main" id="{8790EA6F-99C3-40AB-A1B4-F570C98DBAA9}"/>
+              </a:ext>
+            </a:extLst>
+          </p:cNvPr>
+          <p:cNvGrpSpPr/>
+          <p:nvPr/>
+        </p:nvGrpSpPr>
+        <p:grpSpPr>
+          <a:xfrm>
+            <a:off x="5687843" y="3138375"/>
+            <a:ext cx="2789339" cy="343055"/>
+            <a:chOff x="2884212" y="1428420"/>
+            <a:chExt cx="2789339" cy="343055"/>
+          </a:xfrm>
+        </p:grpSpPr>
+        <p:cxnSp>
+          <p:nvCxnSpPr>
+            <p:cNvPr id="53" name="직선 화살표 연결선 52">
+              <a:extLst>
+                <a:ext uri="{FF2B5EF4-FFF2-40B4-BE49-F238E27FC236}">
+                  <a16:creationId xmlns:a16="http://schemas.microsoft.com/office/drawing/2014/main" id="{DAD23F57-2E2B-4927-94A8-785488FF6AD7}"/>
+                </a:ext>
+              </a:extLst>
+            </p:cNvPr>
+            <p:cNvCxnSpPr>
+              <a:cxnSpLocks/>
+            </p:cNvCxnSpPr>
+            <p:nvPr/>
+          </p:nvCxnSpPr>
+          <p:spPr>
+            <a:xfrm flipH="1">
+              <a:off x="2884212" y="1771475"/>
+              <a:ext cx="2789339" cy="0"/>
+            </a:xfrm>
+            <a:prstGeom prst="straightConnector1">
+              <a:avLst/>
+            </a:prstGeom>
+            <a:ln w="57150">
+              <a:solidFill>
+                <a:schemeClr val="accent1"/>
+              </a:solidFill>
+              <a:tailEnd type="triangle"/>
+            </a:ln>
+          </p:spPr>
+          <p:style>
+            <a:lnRef idx="1">
+              <a:schemeClr val="accent1"/>
+            </a:lnRef>
+            <a:fillRef idx="0">
+              <a:schemeClr val="accent1"/>
+            </a:fillRef>
+            <a:effectRef idx="0">
+              <a:schemeClr val="accent1"/>
+            </a:effectRef>
+            <a:fontRef idx="minor">
+              <a:schemeClr val="tx1"/>
+            </a:fontRef>
+          </p:style>
+        </p:cxnSp>
+        <p:sp>
+          <p:nvSpPr>
+            <p:cNvPr id="54" name="TextBox 53">
+              <a:extLst>
+                <a:ext uri="{FF2B5EF4-FFF2-40B4-BE49-F238E27FC236}">
+                  <a16:creationId xmlns:a16="http://schemas.microsoft.com/office/drawing/2014/main" id="{0FBA2CC4-607C-4970-81A9-47672D16BECC}"/>
+                </a:ext>
+              </a:extLst>
+            </p:cNvPr>
+            <p:cNvSpPr txBox="1"/>
+            <p:nvPr/>
+          </p:nvSpPr>
+          <p:spPr>
+            <a:xfrm>
+              <a:off x="3104174" y="1428420"/>
+              <a:ext cx="2468496" cy="307777"/>
+            </a:xfrm>
+            <a:prstGeom prst="rect">
+              <a:avLst/>
+            </a:prstGeom>
+            <a:noFill/>
+          </p:spPr>
+          <p:txBody>
+            <a:bodyPr wrap="none" rtlCol="0">
+              <a:spAutoFit/>
+            </a:bodyPr>
+            <a:lstStyle/>
+            <a:p>
+              <a:r>
+                <a:rPr lang="en-US" altLang="ko-KR" sz="1400" dirty="0" err="1"/>
+                <a:t>CmdType_Tird_Info</a:t>
+              </a:r>
+              <a:r>
+                <a:rPr lang="en-US" altLang="ko-KR" sz="1400" dirty="0"/>
+                <a:t>(1</a:t>
+              </a:r>
+              <a:r>
+                <a:rPr lang="ko-KR" altLang="en-US" sz="1400" dirty="0"/>
+                <a:t>초마다</a:t>
+              </a:r>
+              <a:r>
+                <a:rPr lang="en-US" altLang="ko-KR" sz="1400" dirty="0"/>
+                <a:t>)</a:t>
+              </a:r>
+              <a:endParaRPr lang="ko-KR" altLang="en-US" sz="1400" dirty="0"/>
+            </a:p>
+          </p:txBody>
+        </p:sp>
+      </p:grpSp>
+      <p:sp>
+        <p:nvSpPr>
+          <p:cNvPr id="55" name="TextBox 54">
+            <a:extLst>
+              <a:ext uri="{FF2B5EF4-FFF2-40B4-BE49-F238E27FC236}">
+                <a16:creationId xmlns:a16="http://schemas.microsoft.com/office/drawing/2014/main" id="{969DF294-6CEE-4BE5-B3CE-4CBB79DAD73A}"/>
+              </a:ext>
+            </a:extLst>
+          </p:cNvPr>
+          <p:cNvSpPr txBox="1"/>
+          <p:nvPr/>
+        </p:nvSpPr>
+        <p:spPr>
+          <a:xfrm>
+            <a:off x="6426633" y="1758362"/>
+            <a:ext cx="1425390" cy="369332"/>
+          </a:xfrm>
+          <a:prstGeom prst="rect">
+            <a:avLst/>
+          </a:prstGeom>
+          <a:noFill/>
+        </p:spPr>
+        <p:txBody>
+          <a:bodyPr wrap="none" rtlCol="0">
+            <a:spAutoFit/>
+          </a:bodyPr>
+          <a:lstStyle/>
+          <a:p>
+            <a:r>
+              <a:rPr lang="en-US" altLang="ko-KR" dirty="0"/>
+              <a:t>TIFD</a:t>
+            </a:r>
+            <a:r>
+              <a:rPr lang="ko-KR" altLang="en-US" dirty="0"/>
+              <a:t>와 동일</a:t>
+            </a:r>
+          </a:p>
+        </p:txBody>
+      </p:sp>
+      <p:grpSp>
+        <p:nvGrpSpPr>
+          <p:cNvPr id="56" name="그룹 55">
+            <a:extLst>
+              <a:ext uri="{FF2B5EF4-FFF2-40B4-BE49-F238E27FC236}">
+                <a16:creationId xmlns:a16="http://schemas.microsoft.com/office/drawing/2014/main" id="{5A6AFC5E-2C0E-497C-8A6A-5C470FB4B8B5}"/>
+              </a:ext>
+            </a:extLst>
+          </p:cNvPr>
+          <p:cNvGrpSpPr/>
+          <p:nvPr/>
+        </p:nvGrpSpPr>
+        <p:grpSpPr>
+          <a:xfrm>
+            <a:off x="5687419" y="3782953"/>
+            <a:ext cx="2789339" cy="333569"/>
+            <a:chOff x="2884212" y="1437906"/>
+            <a:chExt cx="2789339" cy="333569"/>
+          </a:xfrm>
+        </p:grpSpPr>
+        <p:cxnSp>
+          <p:nvCxnSpPr>
+            <p:cNvPr id="57" name="직선 화살표 연결선 56">
+              <a:extLst>
+                <a:ext uri="{FF2B5EF4-FFF2-40B4-BE49-F238E27FC236}">
+                  <a16:creationId xmlns:a16="http://schemas.microsoft.com/office/drawing/2014/main" id="{8967007C-1799-4510-9857-8EF849764B1F}"/>
+                </a:ext>
+              </a:extLst>
+            </p:cNvPr>
+            <p:cNvCxnSpPr>
+              <a:cxnSpLocks/>
+            </p:cNvCxnSpPr>
+            <p:nvPr/>
+          </p:nvCxnSpPr>
+          <p:spPr>
+            <a:xfrm>
+              <a:off x="2884212" y="1771475"/>
+              <a:ext cx="2789339" cy="0"/>
+            </a:xfrm>
+            <a:prstGeom prst="straightConnector1">
+              <a:avLst/>
+            </a:prstGeom>
+            <a:ln w="57150">
+              <a:solidFill>
+                <a:schemeClr val="tx1"/>
+              </a:solidFill>
+              <a:tailEnd type="triangle"/>
+            </a:ln>
+          </p:spPr>
+          <p:style>
+            <a:lnRef idx="1">
+              <a:schemeClr val="accent1"/>
+            </a:lnRef>
+            <a:fillRef idx="0">
+              <a:schemeClr val="accent1"/>
+            </a:fillRef>
+            <a:effectRef idx="0">
+              <a:schemeClr val="accent1"/>
+            </a:effectRef>
+            <a:fontRef idx="minor">
+              <a:schemeClr val="tx1"/>
+            </a:fontRef>
+          </p:style>
+        </p:cxnSp>
+        <p:sp>
+          <p:nvSpPr>
+            <p:cNvPr id="58" name="TextBox 57">
+              <a:extLst>
+                <a:ext uri="{FF2B5EF4-FFF2-40B4-BE49-F238E27FC236}">
+                  <a16:creationId xmlns:a16="http://schemas.microsoft.com/office/drawing/2014/main" id="{C70AC86B-37A3-463B-8361-A18A284E5820}"/>
+                </a:ext>
+              </a:extLst>
+            </p:cNvPr>
+            <p:cNvSpPr txBox="1"/>
+            <p:nvPr/>
+          </p:nvSpPr>
+          <p:spPr>
+            <a:xfrm>
+              <a:off x="3064964" y="1437906"/>
+              <a:ext cx="2560316" cy="307777"/>
+            </a:xfrm>
+            <a:prstGeom prst="rect">
+              <a:avLst/>
+            </a:prstGeom>
+            <a:noFill/>
+          </p:spPr>
+          <p:txBody>
+            <a:bodyPr wrap="none" rtlCol="0">
+              <a:spAutoFit/>
+            </a:bodyPr>
+            <a:lstStyle/>
+            <a:p>
+              <a:r>
+                <a:rPr lang="en-US" altLang="ko-KR" sz="1400" dirty="0" err="1"/>
+                <a:t>CmdType_KeepAlive</a:t>
+              </a:r>
+              <a:r>
+                <a:rPr lang="en-US" altLang="ko-KR" sz="1400" dirty="0"/>
+                <a:t>(3</a:t>
+              </a:r>
+              <a:r>
+                <a:rPr lang="ko-KR" altLang="en-US" sz="1400" dirty="0"/>
+                <a:t>초마다</a:t>
+              </a:r>
+              <a:r>
+                <a:rPr lang="en-US" altLang="ko-KR" sz="1400" dirty="0"/>
+                <a:t>)</a:t>
+              </a:r>
+              <a:endParaRPr lang="ko-KR" altLang="en-US" sz="1400" dirty="0"/>
+            </a:p>
+          </p:txBody>
+        </p:sp>
+      </p:grpSp>
+      <p:grpSp>
+        <p:nvGrpSpPr>
+          <p:cNvPr id="60" name="그룹 59">
+            <a:extLst>
+              <a:ext uri="{FF2B5EF4-FFF2-40B4-BE49-F238E27FC236}">
+                <a16:creationId xmlns:a16="http://schemas.microsoft.com/office/drawing/2014/main" id="{B5A2C7D4-115F-4ABC-91E1-9D5EC517CA00}"/>
+              </a:ext>
+            </a:extLst>
+          </p:cNvPr>
+          <p:cNvGrpSpPr/>
+          <p:nvPr/>
+        </p:nvGrpSpPr>
+        <p:grpSpPr>
+          <a:xfrm>
+            <a:off x="5686600" y="4600364"/>
+            <a:ext cx="2789339" cy="332570"/>
+            <a:chOff x="2884212" y="1438905"/>
+            <a:chExt cx="2789339" cy="332570"/>
+          </a:xfrm>
+        </p:grpSpPr>
+        <p:cxnSp>
+          <p:nvCxnSpPr>
+            <p:cNvPr id="61" name="직선 화살표 연결선 60">
+              <a:extLst>
+                <a:ext uri="{FF2B5EF4-FFF2-40B4-BE49-F238E27FC236}">
+                  <a16:creationId xmlns:a16="http://schemas.microsoft.com/office/drawing/2014/main" id="{A02BA052-D78B-4B9B-8F9F-645761729973}"/>
+                </a:ext>
+              </a:extLst>
+            </p:cNvPr>
+            <p:cNvCxnSpPr>
+              <a:cxnSpLocks/>
+            </p:cNvCxnSpPr>
+            <p:nvPr/>
+          </p:nvCxnSpPr>
+          <p:spPr>
+            <a:xfrm>
+              <a:off x="2884212" y="1771475"/>
+              <a:ext cx="2789339" cy="0"/>
+            </a:xfrm>
+            <a:prstGeom prst="straightConnector1">
+              <a:avLst/>
+            </a:prstGeom>
+            <a:ln w="57150">
+              <a:solidFill>
+                <a:schemeClr val="tx1"/>
+              </a:solidFill>
+              <a:tailEnd type="triangle"/>
+            </a:ln>
+          </p:spPr>
+          <p:style>
+            <a:lnRef idx="1">
+              <a:schemeClr val="accent1"/>
+            </a:lnRef>
+            <a:fillRef idx="0">
+              <a:schemeClr val="accent1"/>
+            </a:fillRef>
+            <a:effectRef idx="0">
+              <a:schemeClr val="accent1"/>
+            </a:effectRef>
+            <a:fontRef idx="minor">
+              <a:schemeClr val="tx1"/>
+            </a:fontRef>
+          </p:style>
+        </p:cxnSp>
+        <p:sp>
+          <p:nvSpPr>
+            <p:cNvPr id="62" name="TextBox 61">
+              <a:extLst>
+                <a:ext uri="{FF2B5EF4-FFF2-40B4-BE49-F238E27FC236}">
+                  <a16:creationId xmlns:a16="http://schemas.microsoft.com/office/drawing/2014/main" id="{384C6DF6-444A-4EFF-AEF9-E037C332C12F}"/>
+                </a:ext>
+              </a:extLst>
+            </p:cNvPr>
+            <p:cNvSpPr txBox="1"/>
+            <p:nvPr/>
+          </p:nvSpPr>
+          <p:spPr>
+            <a:xfrm>
+              <a:off x="3421958" y="1438905"/>
+              <a:ext cx="1735283" cy="307777"/>
+            </a:xfrm>
+            <a:prstGeom prst="rect">
+              <a:avLst/>
+            </a:prstGeom>
+            <a:noFill/>
+          </p:spPr>
+          <p:txBody>
+            <a:bodyPr wrap="none" rtlCol="0">
+              <a:spAutoFit/>
+            </a:bodyPr>
+            <a:lstStyle/>
+            <a:p>
+              <a:r>
+                <a:rPr lang="en-US" altLang="ko-KR" sz="1400" dirty="0" err="1"/>
+                <a:t>CmdType_LoRa_CH</a:t>
+              </a:r>
+              <a:endParaRPr lang="ko-KR" altLang="en-US" sz="1400" dirty="0"/>
+            </a:p>
+          </p:txBody>
+        </p:sp>
+      </p:grpSp>
+      <p:grpSp>
+        <p:nvGrpSpPr>
+          <p:cNvPr id="64" name="그룹 63">
+            <a:extLst>
+              <a:ext uri="{FF2B5EF4-FFF2-40B4-BE49-F238E27FC236}">
+                <a16:creationId xmlns:a16="http://schemas.microsoft.com/office/drawing/2014/main" id="{39805516-537A-422D-A23F-7626E4C58F06}"/>
+              </a:ext>
+            </a:extLst>
+          </p:cNvPr>
+          <p:cNvGrpSpPr/>
+          <p:nvPr/>
+        </p:nvGrpSpPr>
+        <p:grpSpPr>
+          <a:xfrm>
+            <a:off x="5689087" y="5942293"/>
+            <a:ext cx="2789339" cy="343055"/>
+            <a:chOff x="2884212" y="1428420"/>
+            <a:chExt cx="2789339" cy="343055"/>
+          </a:xfrm>
+        </p:grpSpPr>
+        <p:cxnSp>
+          <p:nvCxnSpPr>
+            <p:cNvPr id="65" name="직선 화살표 연결선 64">
+              <a:extLst>
+                <a:ext uri="{FF2B5EF4-FFF2-40B4-BE49-F238E27FC236}">
+                  <a16:creationId xmlns:a16="http://schemas.microsoft.com/office/drawing/2014/main" id="{23C7C198-3EBE-40B2-86AE-DE6F385A0EC8}"/>
+                </a:ext>
+              </a:extLst>
+            </p:cNvPr>
+            <p:cNvCxnSpPr>
+              <a:cxnSpLocks/>
+            </p:cNvCxnSpPr>
+            <p:nvPr/>
+          </p:nvCxnSpPr>
+          <p:spPr>
+            <a:xfrm flipH="1">
+              <a:off x="2884212" y="1771475"/>
+              <a:ext cx="2789339" cy="0"/>
+            </a:xfrm>
+            <a:prstGeom prst="straightConnector1">
+              <a:avLst/>
+            </a:prstGeom>
+            <a:ln w="57150">
+              <a:solidFill>
+                <a:schemeClr val="accent1"/>
+              </a:solidFill>
+              <a:tailEnd type="triangle"/>
+            </a:ln>
+          </p:spPr>
+          <p:style>
+            <a:lnRef idx="1">
+              <a:schemeClr val="accent1"/>
+            </a:lnRef>
+            <a:fillRef idx="0">
+              <a:schemeClr val="accent1"/>
+            </a:fillRef>
+            <a:effectRef idx="0">
+              <a:schemeClr val="accent1"/>
+            </a:effectRef>
+            <a:fontRef idx="minor">
+              <a:schemeClr val="tx1"/>
+            </a:fontRef>
+          </p:style>
+        </p:cxnSp>
+        <p:sp>
+          <p:nvSpPr>
+            <p:cNvPr id="66" name="TextBox 65">
+              <a:extLst>
+                <a:ext uri="{FF2B5EF4-FFF2-40B4-BE49-F238E27FC236}">
+                  <a16:creationId xmlns:a16="http://schemas.microsoft.com/office/drawing/2014/main" id="{5EDE7AA7-96C4-46F8-B987-E7267F3F3F9C}"/>
+                </a:ext>
+              </a:extLst>
+            </p:cNvPr>
+            <p:cNvSpPr txBox="1"/>
+            <p:nvPr/>
+          </p:nvSpPr>
+          <p:spPr>
+            <a:xfrm>
+              <a:off x="3104174" y="1428420"/>
+              <a:ext cx="2468496" cy="307777"/>
+            </a:xfrm>
+            <a:prstGeom prst="rect">
+              <a:avLst/>
+            </a:prstGeom>
+            <a:noFill/>
+          </p:spPr>
+          <p:txBody>
+            <a:bodyPr wrap="none" rtlCol="0">
+              <a:spAutoFit/>
+            </a:bodyPr>
+            <a:lstStyle/>
+            <a:p>
+              <a:r>
+                <a:rPr lang="en-US" altLang="ko-KR" sz="1400" dirty="0" err="1"/>
+                <a:t>CmdType_Tird_Info</a:t>
+              </a:r>
+              <a:r>
+                <a:rPr lang="en-US" altLang="ko-KR" sz="1400" dirty="0"/>
+                <a:t>(1</a:t>
+              </a:r>
+              <a:r>
+                <a:rPr lang="ko-KR" altLang="en-US" sz="1400" dirty="0"/>
+                <a:t>초마다</a:t>
+              </a:r>
+              <a:r>
+                <a:rPr lang="en-US" altLang="ko-KR" sz="1400" dirty="0"/>
+                <a:t>)</a:t>
+              </a:r>
+              <a:endParaRPr lang="ko-KR" altLang="en-US" sz="1400" dirty="0"/>
+            </a:p>
+          </p:txBody>
+        </p:sp>
+      </p:grpSp>
+      <p:grpSp>
+        <p:nvGrpSpPr>
+          <p:cNvPr id="67" name="그룹 66">
+            <a:extLst>
+              <a:ext uri="{FF2B5EF4-FFF2-40B4-BE49-F238E27FC236}">
+                <a16:creationId xmlns:a16="http://schemas.microsoft.com/office/drawing/2014/main" id="{5E262F74-8930-4DAC-80FA-C2D96961F457}"/>
+              </a:ext>
+            </a:extLst>
+          </p:cNvPr>
+          <p:cNvGrpSpPr/>
+          <p:nvPr/>
+        </p:nvGrpSpPr>
+        <p:grpSpPr>
+          <a:xfrm>
+            <a:off x="2887342" y="5942291"/>
+            <a:ext cx="2789339" cy="343772"/>
+            <a:chOff x="2884212" y="1427703"/>
+            <a:chExt cx="2789339" cy="343772"/>
+          </a:xfrm>
+        </p:grpSpPr>
+        <p:cxnSp>
+          <p:nvCxnSpPr>
+            <p:cNvPr id="68" name="직선 화살표 연결선 67">
+              <a:extLst>
+                <a:ext uri="{FF2B5EF4-FFF2-40B4-BE49-F238E27FC236}">
+                  <a16:creationId xmlns:a16="http://schemas.microsoft.com/office/drawing/2014/main" id="{AB45ACEF-B8F3-4046-A06B-D0BA68A6F279}"/>
+                </a:ext>
+              </a:extLst>
+            </p:cNvPr>
+            <p:cNvCxnSpPr>
+              <a:cxnSpLocks/>
+            </p:cNvCxnSpPr>
+            <p:nvPr/>
+          </p:nvCxnSpPr>
+          <p:spPr>
+            <a:xfrm flipH="1">
+              <a:off x="2884212" y="1771475"/>
+              <a:ext cx="2789339" cy="0"/>
+            </a:xfrm>
+            <a:prstGeom prst="straightConnector1">
+              <a:avLst/>
+            </a:prstGeom>
+            <a:ln w="57150">
+              <a:solidFill>
+                <a:schemeClr val="tx1"/>
+              </a:solidFill>
+              <a:tailEnd type="triangle"/>
+            </a:ln>
+          </p:spPr>
+          <p:style>
+            <a:lnRef idx="1">
+              <a:schemeClr val="accent1"/>
+            </a:lnRef>
+            <a:fillRef idx="0">
+              <a:schemeClr val="accent1"/>
+            </a:fillRef>
+            <a:effectRef idx="0">
+              <a:schemeClr val="accent1"/>
+            </a:effectRef>
+            <a:fontRef idx="minor">
+              <a:schemeClr val="tx1"/>
+            </a:fontRef>
+          </p:style>
+        </p:cxnSp>
+        <p:sp>
+          <p:nvSpPr>
+            <p:cNvPr id="69" name="TextBox 68">
+              <a:extLst>
+                <a:ext uri="{FF2B5EF4-FFF2-40B4-BE49-F238E27FC236}">
+                  <a16:creationId xmlns:a16="http://schemas.microsoft.com/office/drawing/2014/main" id="{55C518A7-AFC8-4A31-B996-C7FE40575B04}"/>
+                </a:ext>
+              </a:extLst>
+            </p:cNvPr>
+            <p:cNvSpPr txBox="1"/>
+            <p:nvPr/>
+          </p:nvSpPr>
+          <p:spPr>
+            <a:xfrm>
+              <a:off x="3478358" y="1427703"/>
+              <a:ext cx="1721497" cy="307777"/>
+            </a:xfrm>
+            <a:prstGeom prst="rect">
+              <a:avLst/>
+            </a:prstGeom>
+            <a:noFill/>
+          </p:spPr>
+          <p:txBody>
+            <a:bodyPr wrap="none" rtlCol="0">
+              <a:spAutoFit/>
+            </a:bodyPr>
+            <a:lstStyle/>
+            <a:p>
+              <a:r>
+                <a:rPr lang="en-US" altLang="ko-KR" sz="1400" dirty="0" err="1"/>
+                <a:t>CmdType_Tird_Info</a:t>
+              </a:r>
+              <a:endParaRPr lang="ko-KR" altLang="en-US" sz="1400" dirty="0"/>
+            </a:p>
+          </p:txBody>
+        </p:sp>
+      </p:grpSp>
+      <p:sp>
+        <p:nvSpPr>
+          <p:cNvPr id="70" name="TextBox 69">
+            <a:extLst>
+              <a:ext uri="{FF2B5EF4-FFF2-40B4-BE49-F238E27FC236}">
+                <a16:creationId xmlns:a16="http://schemas.microsoft.com/office/drawing/2014/main" id="{8D659492-26AD-455E-96CC-888FA56ECCAF}"/>
+              </a:ext>
+            </a:extLst>
+          </p:cNvPr>
+          <p:cNvSpPr txBox="1"/>
+          <p:nvPr/>
+        </p:nvSpPr>
+        <p:spPr>
+          <a:xfrm>
+            <a:off x="4948760" y="5588348"/>
+            <a:ext cx="1282723" cy="338554"/>
+          </a:xfrm>
+          <a:prstGeom prst="rect">
+            <a:avLst/>
+          </a:prstGeom>
+          <a:noFill/>
+        </p:spPr>
+        <p:txBody>
+          <a:bodyPr wrap="none" rtlCol="0">
+            <a:spAutoFit/>
+          </a:bodyPr>
+          <a:lstStyle/>
+          <a:p>
+            <a:r>
+              <a:rPr lang="ko-KR" altLang="en-US" sz="1600" dirty="0" err="1">
+                <a:solidFill>
+                  <a:srgbClr val="FF0000"/>
+                </a:solidFill>
+              </a:rPr>
+              <a:t>페어링</a:t>
+            </a:r>
+            <a:r>
+              <a:rPr lang="ko-KR" altLang="en-US" sz="1600" dirty="0">
+                <a:solidFill>
+                  <a:srgbClr val="FF0000"/>
+                </a:solidFill>
+              </a:rPr>
+              <a:t> 도중</a:t>
+            </a:r>
+          </a:p>
+        </p:txBody>
+      </p:sp>
+    </p:spTree>
+    <p:extLst>
+      <p:ext uri="{BB962C8B-B14F-4D97-AF65-F5344CB8AC3E}">
+        <p14:creationId xmlns:p14="http://schemas.microsoft.com/office/powerpoint/2010/main" val="2492408187"/>
+      </p:ext>
+    </p:extLst>
+  </p:cSld>
+  <p:clrMapOvr>
+    <a:masterClrMapping/>
+  </p:clrMapOvr>
+</p:sld>
+</file>
+
 <file path=ppt/theme/theme1.xml><?xml version="1.0" encoding="utf-8"?>
 <a:theme xmlns:a="http://schemas.openxmlformats.org/drawingml/2006/main" name="Office 테마">
   <a:themeElements>

--- a/docs/패킷 형태 정리.pptx
+++ b/docs/패킷 형태 정리.pptx
@@ -11,6 +11,7 @@
     <p:sldId id="257" r:id="rId5"/>
     <p:sldId id="262" r:id="rId6"/>
     <p:sldId id="263" r:id="rId7"/>
+    <p:sldId id="264" r:id="rId8"/>
   </p:sldIdLst>
   <p:sldSz cx="12192000" cy="6858000"/>
   <p:notesSz cx="6858000" cy="9144000"/>
@@ -9694,7 +9695,7 @@
           <p:spPr>
             <a:xfrm>
               <a:off x="3223008" y="1425598"/>
-              <a:ext cx="2051395" cy="307777"/>
+              <a:ext cx="2105898" cy="307777"/>
             </a:xfrm>
             <a:prstGeom prst="rect">
               <a:avLst/>
@@ -10786,7 +10787,7 @@
         </p:nvGrpSpPr>
         <p:grpSpPr>
           <a:xfrm>
-            <a:off x="5689087" y="5942293"/>
+            <a:off x="5687419" y="5826736"/>
             <a:ext cx="2789339" cy="343055"/>
             <a:chOff x="2884212" y="1428420"/>
             <a:chExt cx="2789339" cy="343055"/>
@@ -11037,6 +11038,637 @@
     <p:extLst>
       <p:ext uri="{BB962C8B-B14F-4D97-AF65-F5344CB8AC3E}">
         <p14:creationId xmlns:p14="http://schemas.microsoft.com/office/powerpoint/2010/main" val="2492408187"/>
+      </p:ext>
+    </p:extLst>
+  </p:cSld>
+  <p:clrMapOvr>
+    <a:masterClrMapping/>
+  </p:clrMapOvr>
+</p:sld>
+</file>
+
+<file path=ppt/slides/slide7.xml><?xml version="1.0" encoding="utf-8"?>
+<p:sld xmlns:a="http://schemas.openxmlformats.org/drawingml/2006/main" xmlns:r="http://schemas.openxmlformats.org/officeDocument/2006/relationships" xmlns:p="http://schemas.openxmlformats.org/presentationml/2006/main">
+  <p:cSld>
+    <p:spTree>
+      <p:nvGrpSpPr>
+        <p:cNvPr id="1" name=""/>
+        <p:cNvGrpSpPr/>
+        <p:nvPr/>
+      </p:nvGrpSpPr>
+      <p:grpSpPr>
+        <a:xfrm>
+          <a:off x="0" y="0"/>
+          <a:ext cx="0" cy="0"/>
+          <a:chOff x="0" y="0"/>
+          <a:chExt cx="0" cy="0"/>
+        </a:xfrm>
+      </p:grpSpPr>
+      <p:sp>
+        <p:nvSpPr>
+          <p:cNvPr id="4" name="TextBox 3">
+            <a:extLst>
+              <a:ext uri="{FF2B5EF4-FFF2-40B4-BE49-F238E27FC236}">
+                <a16:creationId xmlns:a16="http://schemas.microsoft.com/office/drawing/2014/main" id="{8C71EB4A-5379-4D20-85D6-F7662F97680F}"/>
+              </a:ext>
+            </a:extLst>
+          </p:cNvPr>
+          <p:cNvSpPr txBox="1"/>
+          <p:nvPr/>
+        </p:nvSpPr>
+        <p:spPr>
+          <a:xfrm>
+            <a:off x="5382447" y="377505"/>
+            <a:ext cx="582211" cy="369332"/>
+          </a:xfrm>
+          <a:prstGeom prst="rect">
+            <a:avLst/>
+          </a:prstGeom>
+          <a:noFill/>
+        </p:spPr>
+        <p:txBody>
+          <a:bodyPr wrap="none" rtlCol="0">
+            <a:spAutoFit/>
+          </a:bodyPr>
+          <a:lstStyle/>
+          <a:p>
+            <a:r>
+              <a:rPr lang="en-US" altLang="ko-KR" dirty="0"/>
+              <a:t>TIM</a:t>
+            </a:r>
+            <a:endParaRPr lang="ko-KR" altLang="en-US" dirty="0"/>
+          </a:p>
+        </p:txBody>
+      </p:sp>
+      <p:sp>
+        <p:nvSpPr>
+          <p:cNvPr id="5" name="TextBox 4">
+            <a:extLst>
+              <a:ext uri="{FF2B5EF4-FFF2-40B4-BE49-F238E27FC236}">
+                <a16:creationId xmlns:a16="http://schemas.microsoft.com/office/drawing/2014/main" id="{536CE1D4-1B69-4D81-959E-CDCD6A6FC34B}"/>
+              </a:ext>
+            </a:extLst>
+          </p:cNvPr>
+          <p:cNvSpPr txBox="1"/>
+          <p:nvPr/>
+        </p:nvSpPr>
+        <p:spPr>
+          <a:xfrm>
+            <a:off x="2558643" y="377505"/>
+            <a:ext cx="651140" cy="369332"/>
+          </a:xfrm>
+          <a:prstGeom prst="rect">
+            <a:avLst/>
+          </a:prstGeom>
+          <a:noFill/>
+        </p:spPr>
+        <p:txBody>
+          <a:bodyPr wrap="none" rtlCol="0">
+            <a:spAutoFit/>
+          </a:bodyPr>
+          <a:lstStyle/>
+          <a:p>
+            <a:r>
+              <a:rPr lang="en-US" altLang="ko-KR" dirty="0"/>
+              <a:t>TIFD</a:t>
+            </a:r>
+          </a:p>
+        </p:txBody>
+      </p:sp>
+      <p:sp>
+        <p:nvSpPr>
+          <p:cNvPr id="6" name="TextBox 5">
+            <a:extLst>
+              <a:ext uri="{FF2B5EF4-FFF2-40B4-BE49-F238E27FC236}">
+                <a16:creationId xmlns:a16="http://schemas.microsoft.com/office/drawing/2014/main" id="{4B60E5B2-2F54-4818-BAE9-015497584E0A}"/>
+              </a:ext>
+            </a:extLst>
+          </p:cNvPr>
+          <p:cNvSpPr txBox="1"/>
+          <p:nvPr/>
+        </p:nvSpPr>
+        <p:spPr>
+          <a:xfrm>
+            <a:off x="8145711" y="377505"/>
+            <a:ext cx="676788" cy="369332"/>
+          </a:xfrm>
+          <a:prstGeom prst="rect">
+            <a:avLst/>
+          </a:prstGeom>
+          <a:noFill/>
+        </p:spPr>
+        <p:txBody>
+          <a:bodyPr wrap="none" rtlCol="0">
+            <a:spAutoFit/>
+          </a:bodyPr>
+          <a:lstStyle/>
+          <a:p>
+            <a:r>
+              <a:rPr lang="en-US" altLang="ko-KR" dirty="0"/>
+              <a:t>TIRD</a:t>
+            </a:r>
+            <a:endParaRPr lang="ko-KR" altLang="en-US" dirty="0"/>
+          </a:p>
+        </p:txBody>
+      </p:sp>
+      <p:cxnSp>
+        <p:nvCxnSpPr>
+          <p:cNvPr id="8" name="직선 연결선 7">
+            <a:extLst>
+              <a:ext uri="{FF2B5EF4-FFF2-40B4-BE49-F238E27FC236}">
+                <a16:creationId xmlns:a16="http://schemas.microsoft.com/office/drawing/2014/main" id="{3BA61D55-599D-42FC-B548-D7FA23B63A03}"/>
+              </a:ext>
+            </a:extLst>
+          </p:cNvPr>
+          <p:cNvCxnSpPr>
+            <a:cxnSpLocks/>
+            <a:stCxn id="4" idx="2"/>
+          </p:cNvCxnSpPr>
+          <p:nvPr/>
+        </p:nvCxnSpPr>
+        <p:spPr>
+          <a:xfrm>
+            <a:off x="5673553" y="746837"/>
+            <a:ext cx="14290" cy="2160000"/>
+          </a:xfrm>
+          <a:prstGeom prst="line">
+            <a:avLst/>
+          </a:prstGeom>
+          <a:ln w="28575">
+            <a:solidFill>
+              <a:schemeClr val="tx1"/>
+            </a:solidFill>
+          </a:ln>
+        </p:spPr>
+        <p:style>
+          <a:lnRef idx="1">
+            <a:schemeClr val="accent1"/>
+          </a:lnRef>
+          <a:fillRef idx="0">
+            <a:schemeClr val="accent1"/>
+          </a:fillRef>
+          <a:effectRef idx="0">
+            <a:schemeClr val="accent1"/>
+          </a:effectRef>
+          <a:fontRef idx="minor">
+            <a:schemeClr val="tx1"/>
+          </a:fontRef>
+        </p:style>
+      </p:cxnSp>
+      <p:cxnSp>
+        <p:nvCxnSpPr>
+          <p:cNvPr id="11" name="직선 연결선 10">
+            <a:extLst>
+              <a:ext uri="{FF2B5EF4-FFF2-40B4-BE49-F238E27FC236}">
+                <a16:creationId xmlns:a16="http://schemas.microsoft.com/office/drawing/2014/main" id="{A9287BD9-0662-42C8-98B6-118EFD9F49FC}"/>
+              </a:ext>
+            </a:extLst>
+          </p:cNvPr>
+          <p:cNvCxnSpPr>
+            <a:cxnSpLocks/>
+            <a:stCxn id="5" idx="2"/>
+          </p:cNvCxnSpPr>
+          <p:nvPr/>
+        </p:nvCxnSpPr>
+        <p:spPr>
+          <a:xfrm>
+            <a:off x="2884213" y="746837"/>
+            <a:ext cx="7146" cy="2160000"/>
+          </a:xfrm>
+          <a:prstGeom prst="line">
+            <a:avLst/>
+          </a:prstGeom>
+          <a:ln w="28575">
+            <a:solidFill>
+              <a:schemeClr val="accent3"/>
+            </a:solidFill>
+          </a:ln>
+        </p:spPr>
+        <p:style>
+          <a:lnRef idx="1">
+            <a:schemeClr val="accent1"/>
+          </a:lnRef>
+          <a:fillRef idx="0">
+            <a:schemeClr val="accent1"/>
+          </a:fillRef>
+          <a:effectRef idx="0">
+            <a:schemeClr val="accent1"/>
+          </a:effectRef>
+          <a:fontRef idx="minor">
+            <a:schemeClr val="tx1"/>
+          </a:fontRef>
+        </p:style>
+      </p:cxnSp>
+      <p:cxnSp>
+        <p:nvCxnSpPr>
+          <p:cNvPr id="14" name="직선 연결선 13">
+            <a:extLst>
+              <a:ext uri="{FF2B5EF4-FFF2-40B4-BE49-F238E27FC236}">
+                <a16:creationId xmlns:a16="http://schemas.microsoft.com/office/drawing/2014/main" id="{D74239C4-C9C7-47A3-9405-FF6CBD295D10}"/>
+              </a:ext>
+            </a:extLst>
+          </p:cNvPr>
+          <p:cNvCxnSpPr>
+            <a:cxnSpLocks/>
+          </p:cNvCxnSpPr>
+          <p:nvPr/>
+        </p:nvCxnSpPr>
+        <p:spPr>
+          <a:xfrm>
+            <a:off x="8483903" y="746837"/>
+            <a:ext cx="202" cy="2160000"/>
+          </a:xfrm>
+          <a:prstGeom prst="line">
+            <a:avLst/>
+          </a:prstGeom>
+          <a:ln w="28575">
+            <a:solidFill>
+              <a:schemeClr val="accent1"/>
+            </a:solidFill>
+          </a:ln>
+        </p:spPr>
+        <p:style>
+          <a:lnRef idx="1">
+            <a:schemeClr val="accent1"/>
+          </a:lnRef>
+          <a:fillRef idx="0">
+            <a:schemeClr val="accent1"/>
+          </a:fillRef>
+          <a:effectRef idx="0">
+            <a:schemeClr val="accent1"/>
+          </a:effectRef>
+          <a:fontRef idx="minor">
+            <a:schemeClr val="tx1"/>
+          </a:fontRef>
+        </p:style>
+      </p:cxnSp>
+      <p:grpSp>
+        <p:nvGrpSpPr>
+          <p:cNvPr id="29" name="그룹 28">
+            <a:extLst>
+              <a:ext uri="{FF2B5EF4-FFF2-40B4-BE49-F238E27FC236}">
+                <a16:creationId xmlns:a16="http://schemas.microsoft.com/office/drawing/2014/main" id="{FBC0E698-BEAF-412A-B985-78FD1040837B}"/>
+              </a:ext>
+            </a:extLst>
+          </p:cNvPr>
+          <p:cNvGrpSpPr/>
+          <p:nvPr/>
+        </p:nvGrpSpPr>
+        <p:grpSpPr>
+          <a:xfrm>
+            <a:off x="2884212" y="1348791"/>
+            <a:ext cx="2789339" cy="338794"/>
+            <a:chOff x="2884212" y="1432681"/>
+            <a:chExt cx="2789339" cy="338794"/>
+          </a:xfrm>
+        </p:grpSpPr>
+        <p:cxnSp>
+          <p:nvCxnSpPr>
+            <p:cNvPr id="27" name="직선 화살표 연결선 26">
+              <a:extLst>
+                <a:ext uri="{FF2B5EF4-FFF2-40B4-BE49-F238E27FC236}">
+                  <a16:creationId xmlns:a16="http://schemas.microsoft.com/office/drawing/2014/main" id="{16CB8C8D-5B86-41DC-A0F6-8A3308667B8C}"/>
+                </a:ext>
+              </a:extLst>
+            </p:cNvPr>
+            <p:cNvCxnSpPr>
+              <a:cxnSpLocks/>
+            </p:cNvCxnSpPr>
+            <p:nvPr/>
+          </p:nvCxnSpPr>
+          <p:spPr>
+            <a:xfrm flipH="1">
+              <a:off x="2884212" y="1771475"/>
+              <a:ext cx="2789339" cy="0"/>
+            </a:xfrm>
+            <a:prstGeom prst="straightConnector1">
+              <a:avLst/>
+            </a:prstGeom>
+            <a:ln w="57150">
+              <a:solidFill>
+                <a:schemeClr val="tx1"/>
+              </a:solidFill>
+              <a:tailEnd type="triangle"/>
+            </a:ln>
+          </p:spPr>
+          <p:style>
+            <a:lnRef idx="1">
+              <a:schemeClr val="accent1"/>
+            </a:lnRef>
+            <a:fillRef idx="0">
+              <a:schemeClr val="accent1"/>
+            </a:fillRef>
+            <a:effectRef idx="0">
+              <a:schemeClr val="accent1"/>
+            </a:effectRef>
+            <a:fontRef idx="minor">
+              <a:schemeClr val="tx1"/>
+            </a:fontRef>
+          </p:style>
+        </p:cxnSp>
+        <p:sp>
+          <p:nvSpPr>
+            <p:cNvPr id="28" name="TextBox 27">
+              <a:extLst>
+                <a:ext uri="{FF2B5EF4-FFF2-40B4-BE49-F238E27FC236}">
+                  <a16:creationId xmlns:a16="http://schemas.microsoft.com/office/drawing/2014/main" id="{64B48297-64D9-4FEA-8B0D-B8A247E12EE1}"/>
+                </a:ext>
+              </a:extLst>
+            </p:cNvPr>
+            <p:cNvSpPr txBox="1"/>
+            <p:nvPr/>
+          </p:nvSpPr>
+          <p:spPr>
+            <a:xfrm>
+              <a:off x="3385037" y="1432681"/>
+              <a:ext cx="1735283" cy="307777"/>
+            </a:xfrm>
+            <a:prstGeom prst="rect">
+              <a:avLst/>
+            </a:prstGeom>
+            <a:noFill/>
+          </p:spPr>
+          <p:txBody>
+            <a:bodyPr wrap="none" rtlCol="0">
+              <a:spAutoFit/>
+            </a:bodyPr>
+            <a:lstStyle/>
+            <a:p>
+              <a:r>
+                <a:rPr lang="en-US" altLang="ko-KR" sz="1400" dirty="0" err="1"/>
+                <a:t>CmdType_LoRa_CH</a:t>
+              </a:r>
+              <a:endParaRPr lang="ko-KR" altLang="en-US" sz="1400" dirty="0"/>
+            </a:p>
+          </p:txBody>
+        </p:sp>
+      </p:grpSp>
+      <p:grpSp>
+        <p:nvGrpSpPr>
+          <p:cNvPr id="33" name="그룹 32">
+            <a:extLst>
+              <a:ext uri="{FF2B5EF4-FFF2-40B4-BE49-F238E27FC236}">
+                <a16:creationId xmlns:a16="http://schemas.microsoft.com/office/drawing/2014/main" id="{D2A17348-45BA-42C6-A58F-97770AF816AB}"/>
+              </a:ext>
+            </a:extLst>
+          </p:cNvPr>
+          <p:cNvGrpSpPr/>
+          <p:nvPr/>
+        </p:nvGrpSpPr>
+        <p:grpSpPr>
+          <a:xfrm>
+            <a:off x="2877493" y="2015886"/>
+            <a:ext cx="2789339" cy="337489"/>
+            <a:chOff x="2884212" y="1433986"/>
+            <a:chExt cx="2789339" cy="337489"/>
+          </a:xfrm>
+        </p:grpSpPr>
+        <p:cxnSp>
+          <p:nvCxnSpPr>
+            <p:cNvPr id="34" name="직선 화살표 연결선 33">
+              <a:extLst>
+                <a:ext uri="{FF2B5EF4-FFF2-40B4-BE49-F238E27FC236}">
+                  <a16:creationId xmlns:a16="http://schemas.microsoft.com/office/drawing/2014/main" id="{E65CBE8C-16DE-4443-933F-DEDD2EFB9F9A}"/>
+                </a:ext>
+              </a:extLst>
+            </p:cNvPr>
+            <p:cNvCxnSpPr>
+              <a:cxnSpLocks/>
+            </p:cNvCxnSpPr>
+            <p:nvPr/>
+          </p:nvCxnSpPr>
+          <p:spPr>
+            <a:xfrm flipH="1">
+              <a:off x="2884212" y="1771475"/>
+              <a:ext cx="2789339" cy="0"/>
+            </a:xfrm>
+            <a:prstGeom prst="straightConnector1">
+              <a:avLst/>
+            </a:prstGeom>
+            <a:ln w="57150">
+              <a:solidFill>
+                <a:schemeClr val="tx1"/>
+              </a:solidFill>
+              <a:tailEnd type="triangle"/>
+            </a:ln>
+          </p:spPr>
+          <p:style>
+            <a:lnRef idx="1">
+              <a:schemeClr val="accent1"/>
+            </a:lnRef>
+            <a:fillRef idx="0">
+              <a:schemeClr val="accent1"/>
+            </a:fillRef>
+            <a:effectRef idx="0">
+              <a:schemeClr val="accent1"/>
+            </a:effectRef>
+            <a:fontRef idx="minor">
+              <a:schemeClr val="tx1"/>
+            </a:fontRef>
+          </p:style>
+        </p:cxnSp>
+        <p:sp>
+          <p:nvSpPr>
+            <p:cNvPr id="35" name="TextBox 34">
+              <a:extLst>
+                <a:ext uri="{FF2B5EF4-FFF2-40B4-BE49-F238E27FC236}">
+                  <a16:creationId xmlns:a16="http://schemas.microsoft.com/office/drawing/2014/main" id="{CF68E22A-301B-421F-A65C-B4B1E332C039}"/>
+                </a:ext>
+              </a:extLst>
+            </p:cNvPr>
+            <p:cNvSpPr txBox="1"/>
+            <p:nvPr/>
+          </p:nvSpPr>
+          <p:spPr>
+            <a:xfrm>
+              <a:off x="3472612" y="1433986"/>
+              <a:ext cx="1573572" cy="307777"/>
+            </a:xfrm>
+            <a:prstGeom prst="rect">
+              <a:avLst/>
+            </a:prstGeom>
+            <a:noFill/>
+          </p:spPr>
+          <p:txBody>
+            <a:bodyPr wrap="none" rtlCol="0">
+              <a:spAutoFit/>
+            </a:bodyPr>
+            <a:lstStyle/>
+            <a:p>
+              <a:r>
+                <a:rPr lang="en-US" altLang="ko-KR" sz="1400" dirty="0" err="1"/>
+                <a:t>CmdType_Pairing</a:t>
+              </a:r>
+              <a:endParaRPr lang="ko-KR" altLang="en-US" sz="1400" dirty="0"/>
+            </a:p>
+          </p:txBody>
+        </p:sp>
+      </p:grpSp>
+      <p:sp>
+        <p:nvSpPr>
+          <p:cNvPr id="45" name="TextBox 44">
+            <a:extLst>
+              <a:ext uri="{FF2B5EF4-FFF2-40B4-BE49-F238E27FC236}">
+                <a16:creationId xmlns:a16="http://schemas.microsoft.com/office/drawing/2014/main" id="{38BC5F1E-1782-4E02-98DC-964A95860463}"/>
+              </a:ext>
+            </a:extLst>
+          </p:cNvPr>
+          <p:cNvSpPr txBox="1"/>
+          <p:nvPr/>
+        </p:nvSpPr>
+        <p:spPr>
+          <a:xfrm>
+            <a:off x="4464325" y="1043340"/>
+            <a:ext cx="2042547" cy="338554"/>
+          </a:xfrm>
+          <a:prstGeom prst="rect">
+            <a:avLst/>
+          </a:prstGeom>
+          <a:noFill/>
+        </p:spPr>
+        <p:txBody>
+          <a:bodyPr wrap="none" rtlCol="0">
+            <a:spAutoFit/>
+          </a:bodyPr>
+          <a:lstStyle/>
+          <a:p>
+            <a:r>
+              <a:rPr lang="ko-KR" altLang="en-US" sz="1600" dirty="0" err="1">
+                <a:solidFill>
+                  <a:srgbClr val="FF0000"/>
+                </a:solidFill>
+              </a:rPr>
+              <a:t>페어링</a:t>
+            </a:r>
+            <a:r>
+              <a:rPr lang="ko-KR" altLang="en-US" sz="1600" dirty="0">
+                <a:solidFill>
+                  <a:srgbClr val="FF0000"/>
+                </a:solidFill>
+              </a:rPr>
+              <a:t> 연결 </a:t>
+            </a:r>
+            <a:r>
+              <a:rPr lang="ko-KR" altLang="en-US" sz="1600" dirty="0" err="1">
+                <a:solidFill>
+                  <a:srgbClr val="FF0000"/>
+                </a:solidFill>
+              </a:rPr>
+              <a:t>종료시</a:t>
+            </a:r>
+            <a:endParaRPr lang="ko-KR" altLang="en-US" sz="1600" dirty="0">
+              <a:solidFill>
+                <a:srgbClr val="FF0000"/>
+              </a:solidFill>
+            </a:endParaRPr>
+          </a:p>
+        </p:txBody>
+      </p:sp>
+      <p:grpSp>
+        <p:nvGrpSpPr>
+          <p:cNvPr id="59" name="그룹 58">
+            <a:extLst>
+              <a:ext uri="{FF2B5EF4-FFF2-40B4-BE49-F238E27FC236}">
+                <a16:creationId xmlns:a16="http://schemas.microsoft.com/office/drawing/2014/main" id="{A4A5A614-D40C-4FC3-89AD-CAD280473F69}"/>
+              </a:ext>
+            </a:extLst>
+          </p:cNvPr>
+          <p:cNvGrpSpPr/>
+          <p:nvPr/>
+        </p:nvGrpSpPr>
+        <p:grpSpPr>
+          <a:xfrm>
+            <a:off x="5694564" y="1348791"/>
+            <a:ext cx="2789339" cy="338794"/>
+            <a:chOff x="2884212" y="1432681"/>
+            <a:chExt cx="2789339" cy="338794"/>
+          </a:xfrm>
+        </p:grpSpPr>
+        <p:cxnSp>
+          <p:nvCxnSpPr>
+            <p:cNvPr id="63" name="직선 화살표 연결선 62">
+              <a:extLst>
+                <a:ext uri="{FF2B5EF4-FFF2-40B4-BE49-F238E27FC236}">
+                  <a16:creationId xmlns:a16="http://schemas.microsoft.com/office/drawing/2014/main" id="{E36ECA18-28EB-4EF8-9E76-61BA0B4DEA64}"/>
+                </a:ext>
+              </a:extLst>
+            </p:cNvPr>
+            <p:cNvCxnSpPr>
+              <a:cxnSpLocks/>
+            </p:cNvCxnSpPr>
+            <p:nvPr/>
+          </p:nvCxnSpPr>
+          <p:spPr>
+            <a:xfrm>
+              <a:off x="2884212" y="1771475"/>
+              <a:ext cx="2789339" cy="0"/>
+            </a:xfrm>
+            <a:prstGeom prst="straightConnector1">
+              <a:avLst/>
+            </a:prstGeom>
+            <a:ln w="57150">
+              <a:solidFill>
+                <a:schemeClr val="tx1"/>
+              </a:solidFill>
+              <a:tailEnd type="triangle"/>
+            </a:ln>
+          </p:spPr>
+          <p:style>
+            <a:lnRef idx="1">
+              <a:schemeClr val="accent1"/>
+            </a:lnRef>
+            <a:fillRef idx="0">
+              <a:schemeClr val="accent1"/>
+            </a:fillRef>
+            <a:effectRef idx="0">
+              <a:schemeClr val="accent1"/>
+            </a:effectRef>
+            <a:fontRef idx="minor">
+              <a:schemeClr val="tx1"/>
+            </a:fontRef>
+          </p:style>
+        </p:cxnSp>
+        <p:sp>
+          <p:nvSpPr>
+            <p:cNvPr id="71" name="TextBox 70">
+              <a:extLst>
+                <a:ext uri="{FF2B5EF4-FFF2-40B4-BE49-F238E27FC236}">
+                  <a16:creationId xmlns:a16="http://schemas.microsoft.com/office/drawing/2014/main" id="{C315F3EF-3219-431F-A1F5-C770F89BF961}"/>
+                </a:ext>
+              </a:extLst>
+            </p:cNvPr>
+            <p:cNvSpPr txBox="1"/>
+            <p:nvPr/>
+          </p:nvSpPr>
+          <p:spPr>
+            <a:xfrm>
+              <a:off x="3385037" y="1432681"/>
+              <a:ext cx="1735283" cy="307777"/>
+            </a:xfrm>
+            <a:prstGeom prst="rect">
+              <a:avLst/>
+            </a:prstGeom>
+            <a:noFill/>
+          </p:spPr>
+          <p:txBody>
+            <a:bodyPr wrap="none" rtlCol="0">
+              <a:spAutoFit/>
+            </a:bodyPr>
+            <a:lstStyle/>
+            <a:p>
+              <a:r>
+                <a:rPr lang="en-US" altLang="ko-KR" sz="1400" dirty="0" err="1"/>
+                <a:t>CmdType_LoRa_CH</a:t>
+              </a:r>
+              <a:endParaRPr lang="ko-KR" altLang="en-US" sz="1400" dirty="0"/>
+            </a:p>
+          </p:txBody>
+        </p:sp>
+      </p:grpSp>
+    </p:spTree>
+    <p:extLst>
+      <p:ext uri="{BB962C8B-B14F-4D97-AF65-F5344CB8AC3E}">
+        <p14:creationId xmlns:p14="http://schemas.microsoft.com/office/powerpoint/2010/main" val="2034439907"/>
       </p:ext>
     </p:extLst>
   </p:cSld>
